--- a/URLInvitationProject.pptx
+++ b/URLInvitationProject.pptx
@@ -8,7 +8,6 @@
     <p:sldId id="258" r:id="rId2"/>
     <p:sldId id="256" r:id="rId3"/>
     <p:sldId id="257" r:id="rId4"/>
-    <p:sldId id="259" r:id="rId5"/>
   </p:sldIdLst>
   <p:sldSz cx="9144000" cy="6858000" type="screen4x3"/>
   <p:notesSz cx="6858000" cy="9144000"/>
@@ -291,7 +290,7 @@
           <a:p>
             <a:fld id="{4EBC1159-05F0-854B-83A6-9EF556404007}" type="datetimeFigureOut">
               <a:rPr lang="en-US" smtClean="0"/>
-              <a:t>06/10/15</a:t>
+              <a:t>08/10/15</a:t>
             </a:fld>
             <a:endParaRPr lang="en-US"/>
           </a:p>
@@ -461,7 +460,7 @@
           <a:p>
             <a:fld id="{4EBC1159-05F0-854B-83A6-9EF556404007}" type="datetimeFigureOut">
               <a:rPr lang="en-US" smtClean="0"/>
-              <a:t>06/10/15</a:t>
+              <a:t>08/10/15</a:t>
             </a:fld>
             <a:endParaRPr lang="en-US"/>
           </a:p>
@@ -641,7 +640,7 @@
           <a:p>
             <a:fld id="{4EBC1159-05F0-854B-83A6-9EF556404007}" type="datetimeFigureOut">
               <a:rPr lang="en-US" smtClean="0"/>
-              <a:t>06/10/15</a:t>
+              <a:t>08/10/15</a:t>
             </a:fld>
             <a:endParaRPr lang="en-US"/>
           </a:p>
@@ -811,7 +810,7 @@
           <a:p>
             <a:fld id="{4EBC1159-05F0-854B-83A6-9EF556404007}" type="datetimeFigureOut">
               <a:rPr lang="en-US" smtClean="0"/>
-              <a:t>06/10/15</a:t>
+              <a:t>08/10/15</a:t>
             </a:fld>
             <a:endParaRPr lang="en-US"/>
           </a:p>
@@ -1057,7 +1056,7 @@
           <a:p>
             <a:fld id="{4EBC1159-05F0-854B-83A6-9EF556404007}" type="datetimeFigureOut">
               <a:rPr lang="en-US" smtClean="0"/>
-              <a:t>06/10/15</a:t>
+              <a:t>08/10/15</a:t>
             </a:fld>
             <a:endParaRPr lang="en-US"/>
           </a:p>
@@ -1345,7 +1344,7 @@
           <a:p>
             <a:fld id="{4EBC1159-05F0-854B-83A6-9EF556404007}" type="datetimeFigureOut">
               <a:rPr lang="en-US" smtClean="0"/>
-              <a:t>06/10/15</a:t>
+              <a:t>08/10/15</a:t>
             </a:fld>
             <a:endParaRPr lang="en-US"/>
           </a:p>
@@ -1767,7 +1766,7 @@
           <a:p>
             <a:fld id="{4EBC1159-05F0-854B-83A6-9EF556404007}" type="datetimeFigureOut">
               <a:rPr lang="en-US" smtClean="0"/>
-              <a:t>06/10/15</a:t>
+              <a:t>08/10/15</a:t>
             </a:fld>
             <a:endParaRPr lang="en-US"/>
           </a:p>
@@ -1885,7 +1884,7 @@
           <a:p>
             <a:fld id="{4EBC1159-05F0-854B-83A6-9EF556404007}" type="datetimeFigureOut">
               <a:rPr lang="en-US" smtClean="0"/>
-              <a:t>06/10/15</a:t>
+              <a:t>08/10/15</a:t>
             </a:fld>
             <a:endParaRPr lang="en-US"/>
           </a:p>
@@ -1980,7 +1979,7 @@
           <a:p>
             <a:fld id="{4EBC1159-05F0-854B-83A6-9EF556404007}" type="datetimeFigureOut">
               <a:rPr lang="en-US" smtClean="0"/>
-              <a:t>06/10/15</a:t>
+              <a:t>08/10/15</a:t>
             </a:fld>
             <a:endParaRPr lang="en-US"/>
           </a:p>
@@ -2257,7 +2256,7 @@
           <a:p>
             <a:fld id="{4EBC1159-05F0-854B-83A6-9EF556404007}" type="datetimeFigureOut">
               <a:rPr lang="en-US" smtClean="0"/>
-              <a:t>06/10/15</a:t>
+              <a:t>08/10/15</a:t>
             </a:fld>
             <a:endParaRPr lang="en-US"/>
           </a:p>
@@ -2510,7 +2509,7 @@
           <a:p>
             <a:fld id="{4EBC1159-05F0-854B-83A6-9EF556404007}" type="datetimeFigureOut">
               <a:rPr lang="en-US" smtClean="0"/>
-              <a:t>06/10/15</a:t>
+              <a:t>08/10/15</a:t>
             </a:fld>
             <a:endParaRPr lang="en-US"/>
           </a:p>
@@ -2723,7 +2722,7 @@
           <a:p>
             <a:fld id="{4EBC1159-05F0-854B-83A6-9EF556404007}" type="datetimeFigureOut">
               <a:rPr lang="en-US" smtClean="0"/>
-              <a:t>06/10/15</a:t>
+              <a:t>08/10/15</a:t>
             </a:fld>
             <a:endParaRPr lang="en-US"/>
           </a:p>
@@ -3404,6 +3403,13 @@
   <p:clrMapOvr>
     <a:masterClrMapping/>
   </p:clrMapOvr>
+  <p:timing>
+    <p:tnLst>
+      <p:par>
+        <p:cTn xmlns:p14="http://schemas.microsoft.com/office/powerpoint/2010/main" id="1" dur="indefinite" restart="never" nodeType="tmRoot"/>
+      </p:par>
+    </p:tnLst>
+  </p:timing>
 </p:sld>
 </file>
 
@@ -3424,52 +3430,6 @@
           <a:chExt cx="0" cy="0"/>
         </a:xfrm>
       </p:grpSpPr>
-      <p:sp>
-        <p:nvSpPr>
-          <p:cNvPr id="4" name="TextBox 3"/>
-          <p:cNvSpPr txBox="1"/>
-          <p:nvPr/>
-        </p:nvSpPr>
-        <p:spPr>
-          <a:xfrm>
-            <a:off x="3050594" y="2868445"/>
-            <a:ext cx="6101250" cy="369332"/>
-          </a:xfrm>
-          <a:prstGeom prst="rect">
-            <a:avLst/>
-          </a:prstGeom>
-          <a:noFill/>
-        </p:spPr>
-        <p:txBody>
-          <a:bodyPr wrap="square" rtlCol="0">
-            <a:spAutoFit/>
-          </a:bodyPr>
-          <a:lstStyle/>
-          <a:p>
-            <a:r>
-              <a:rPr lang="en-US" dirty="0" smtClean="0"/>
-              <a:t>JSON: { </a:t>
-            </a:r>
-            <a:r>
-              <a:rPr lang="en-US" dirty="0" err="1" smtClean="0"/>
-              <a:t>custID</a:t>
-            </a:r>
-            <a:r>
-              <a:rPr lang="en-US" dirty="0" smtClean="0"/>
-              <a:t>: 12345, rew1: 40%, rew2: 50%, </a:t>
-            </a:r>
-            <a:r>
-              <a:rPr lang="en-US" dirty="0" err="1" smtClean="0"/>
-              <a:t>val</a:t>
-            </a:r>
-            <a:r>
-              <a:rPr lang="en-US" dirty="0" smtClean="0"/>
-              <a:t>: 05.10.2015 }</a:t>
-            </a:r>
-            <a:endParaRPr lang="en-US" dirty="0"/>
-          </a:p>
-        </p:txBody>
-      </p:sp>
       <p:graphicFrame>
         <p:nvGraphicFramePr>
           <p:cNvPr id="13" name="Table 12"/>
@@ -3958,170 +3918,388 @@
           </a:graphicData>
         </a:graphic>
       </p:graphicFrame>
-      <p:cxnSp>
-        <p:nvCxnSpPr>
-          <p:cNvPr id="19" name="Curved Connector 18"/>
-          <p:cNvCxnSpPr/>
-          <p:nvPr/>
-        </p:nvCxnSpPr>
-        <p:spPr>
-          <a:xfrm rot="16200000" flipH="1">
-            <a:off x="3315951" y="1427961"/>
-            <a:ext cx="1643675" cy="1336907"/>
-          </a:xfrm>
-          <a:prstGeom prst="curvedConnector3">
-            <a:avLst>
-              <a:gd name="adj1" fmla="val 0"/>
-            </a:avLst>
-          </a:prstGeom>
-          <a:ln>
-            <a:tailEnd type="arrow"/>
-          </a:ln>
-        </p:spPr>
-        <p:style>
-          <a:lnRef idx="2">
-            <a:schemeClr val="accent1"/>
-          </a:lnRef>
-          <a:fillRef idx="0">
-            <a:schemeClr val="accent1"/>
-          </a:fillRef>
-          <a:effectRef idx="1">
-            <a:schemeClr val="accent1"/>
-          </a:effectRef>
-          <a:fontRef idx="minor">
-            <a:schemeClr val="tx1"/>
-          </a:fontRef>
-        </p:style>
-      </p:cxnSp>
-      <p:cxnSp>
-        <p:nvCxnSpPr>
-          <p:cNvPr id="23" name="Curved Connector 22"/>
-          <p:cNvCxnSpPr/>
-          <p:nvPr/>
-        </p:nvCxnSpPr>
-        <p:spPr>
-          <a:xfrm>
-            <a:off x="3469335" y="1648142"/>
-            <a:ext cx="2494888" cy="1270110"/>
-          </a:xfrm>
-          <a:prstGeom prst="curvedConnector3">
-            <a:avLst>
-              <a:gd name="adj1" fmla="val 99908"/>
-            </a:avLst>
-          </a:prstGeom>
-          <a:ln>
-            <a:tailEnd type="arrow"/>
-          </a:ln>
-        </p:spPr>
-        <p:style>
-          <a:lnRef idx="2">
-            <a:schemeClr val="accent1"/>
-          </a:lnRef>
-          <a:fillRef idx="0">
-            <a:schemeClr val="accent1"/>
-          </a:fillRef>
-          <a:effectRef idx="1">
-            <a:schemeClr val="accent1"/>
-          </a:effectRef>
-          <a:fontRef idx="minor">
-            <a:schemeClr val="tx1"/>
-          </a:fontRef>
-        </p:style>
-      </p:cxnSp>
-      <p:cxnSp>
-        <p:nvCxnSpPr>
-          <p:cNvPr id="26" name="Curved Connector 25"/>
-          <p:cNvCxnSpPr/>
-          <p:nvPr/>
-        </p:nvCxnSpPr>
-        <p:spPr>
-          <a:xfrm>
-            <a:off x="3469335" y="2009253"/>
-            <a:ext cx="3625978" cy="859192"/>
-          </a:xfrm>
-          <a:prstGeom prst="curvedConnector3">
-            <a:avLst>
-              <a:gd name="adj1" fmla="val 100136"/>
-            </a:avLst>
-          </a:prstGeom>
-          <a:ln>
-            <a:tailEnd type="arrow"/>
-          </a:ln>
-        </p:spPr>
-        <p:style>
-          <a:lnRef idx="2">
-            <a:schemeClr val="accent1"/>
-          </a:lnRef>
-          <a:fillRef idx="0">
-            <a:schemeClr val="accent1"/>
-          </a:fillRef>
-          <a:effectRef idx="1">
-            <a:schemeClr val="accent1"/>
-          </a:effectRef>
-          <a:fontRef idx="minor">
-            <a:schemeClr val="tx1"/>
-          </a:fontRef>
-        </p:style>
-      </p:cxnSp>
-      <p:cxnSp>
-        <p:nvCxnSpPr>
-          <p:cNvPr id="29" name="Curved Connector 28"/>
-          <p:cNvCxnSpPr/>
-          <p:nvPr/>
-        </p:nvCxnSpPr>
-        <p:spPr>
-          <a:xfrm>
-            <a:off x="3469335" y="2382816"/>
-            <a:ext cx="4823300" cy="535436"/>
-          </a:xfrm>
-          <a:prstGeom prst="curvedConnector3">
-            <a:avLst>
-              <a:gd name="adj1" fmla="val 100081"/>
-            </a:avLst>
-          </a:prstGeom>
-          <a:ln>
-            <a:tailEnd type="arrow"/>
-          </a:ln>
-        </p:spPr>
-        <p:style>
-          <a:lnRef idx="2">
-            <a:schemeClr val="accent1"/>
-          </a:lnRef>
-          <a:fillRef idx="0">
-            <a:schemeClr val="accent1"/>
-          </a:fillRef>
-          <a:effectRef idx="1">
-            <a:schemeClr val="accent1"/>
-          </a:effectRef>
-          <a:fontRef idx="minor">
-            <a:schemeClr val="tx1"/>
-          </a:fontRef>
-        </p:style>
-      </p:cxnSp>
       <p:grpSp>
         <p:nvGrpSpPr>
-          <p:cNvPr id="11" name="Group 10"/>
+          <p:cNvPr id="2" name="Group 1"/>
           <p:cNvGrpSpPr/>
           <p:nvPr/>
         </p:nvGrpSpPr>
         <p:grpSpPr>
           <a:xfrm>
-            <a:off x="4566643" y="3237777"/>
-            <a:ext cx="4288279" cy="0"/>
-            <a:chOff x="2931795" y="1340597"/>
-            <a:chExt cx="4559532" cy="0"/>
+            <a:off x="3050594" y="1274577"/>
+            <a:ext cx="6101250" cy="1963200"/>
+            <a:chOff x="3050594" y="1274577"/>
+            <a:chExt cx="6101250" cy="1963200"/>
           </a:xfrm>
         </p:grpSpPr>
+        <p:sp>
+          <p:nvSpPr>
+            <p:cNvPr id="4" name="TextBox 3"/>
+            <p:cNvSpPr txBox="1"/>
+            <p:nvPr/>
+          </p:nvSpPr>
+          <p:spPr>
+            <a:xfrm>
+              <a:off x="3050594" y="2868445"/>
+              <a:ext cx="6101250" cy="369332"/>
+            </a:xfrm>
+            <a:prstGeom prst="rect">
+              <a:avLst/>
+            </a:prstGeom>
+            <a:noFill/>
+          </p:spPr>
+          <p:txBody>
+            <a:bodyPr wrap="square" rtlCol="0">
+              <a:spAutoFit/>
+            </a:bodyPr>
+            <a:lstStyle/>
+            <a:p>
+              <a:r>
+                <a:rPr lang="en-US" dirty="0" smtClean="0"/>
+                <a:t>JSON: { </a:t>
+              </a:r>
+              <a:r>
+                <a:rPr lang="en-US" dirty="0" err="1" smtClean="0"/>
+                <a:t>custID</a:t>
+              </a:r>
+              <a:r>
+                <a:rPr lang="en-US" dirty="0" smtClean="0"/>
+                <a:t>: 12345, rew1: 40%, rew2: 50%, </a:t>
+              </a:r>
+              <a:r>
+                <a:rPr lang="en-US" dirty="0" err="1" smtClean="0"/>
+                <a:t>val</a:t>
+              </a:r>
+              <a:r>
+                <a:rPr lang="en-US" dirty="0" smtClean="0"/>
+                <a:t>: 05.10.2015 }</a:t>
+              </a:r>
+              <a:endParaRPr lang="en-US" dirty="0"/>
+            </a:p>
+          </p:txBody>
+        </p:sp>
         <p:cxnSp>
           <p:nvCxnSpPr>
-            <p:cNvPr id="6" name="Straight Connector 5"/>
+            <p:cNvPr id="19" name="Curved Connector 18"/>
+            <p:cNvCxnSpPr/>
+            <p:nvPr/>
+          </p:nvCxnSpPr>
+          <p:spPr>
+            <a:xfrm rot="16200000" flipH="1">
+              <a:off x="3315951" y="1427961"/>
+              <a:ext cx="1643675" cy="1336907"/>
+            </a:xfrm>
+            <a:prstGeom prst="curvedConnector3">
+              <a:avLst>
+                <a:gd name="adj1" fmla="val 0"/>
+              </a:avLst>
+            </a:prstGeom>
+            <a:ln>
+              <a:tailEnd type="arrow"/>
+            </a:ln>
+          </p:spPr>
+          <p:style>
+            <a:lnRef idx="2">
+              <a:schemeClr val="accent1"/>
+            </a:lnRef>
+            <a:fillRef idx="0">
+              <a:schemeClr val="accent1"/>
+            </a:fillRef>
+            <a:effectRef idx="1">
+              <a:schemeClr val="accent1"/>
+            </a:effectRef>
+            <a:fontRef idx="minor">
+              <a:schemeClr val="tx1"/>
+            </a:fontRef>
+          </p:style>
+        </p:cxnSp>
+        <p:cxnSp>
+          <p:nvCxnSpPr>
+            <p:cNvPr id="23" name="Curved Connector 22"/>
             <p:cNvCxnSpPr/>
             <p:nvPr/>
           </p:nvCxnSpPr>
           <p:spPr>
             <a:xfrm>
-              <a:off x="2931795" y="1340597"/>
-              <a:ext cx="630042" cy="0"/>
+              <a:off x="3469335" y="1648142"/>
+              <a:ext cx="2494888" cy="1270110"/>
+            </a:xfrm>
+            <a:prstGeom prst="curvedConnector3">
+              <a:avLst>
+                <a:gd name="adj1" fmla="val 99908"/>
+              </a:avLst>
+            </a:prstGeom>
+            <a:ln>
+              <a:tailEnd type="arrow"/>
+            </a:ln>
+          </p:spPr>
+          <p:style>
+            <a:lnRef idx="2">
+              <a:schemeClr val="accent1"/>
+            </a:lnRef>
+            <a:fillRef idx="0">
+              <a:schemeClr val="accent1"/>
+            </a:fillRef>
+            <a:effectRef idx="1">
+              <a:schemeClr val="accent1"/>
+            </a:effectRef>
+            <a:fontRef idx="minor">
+              <a:schemeClr val="tx1"/>
+            </a:fontRef>
+          </p:style>
+        </p:cxnSp>
+        <p:cxnSp>
+          <p:nvCxnSpPr>
+            <p:cNvPr id="26" name="Curved Connector 25"/>
+            <p:cNvCxnSpPr/>
+            <p:nvPr/>
+          </p:nvCxnSpPr>
+          <p:spPr>
+            <a:xfrm>
+              <a:off x="3469335" y="2009253"/>
+              <a:ext cx="3625978" cy="859192"/>
+            </a:xfrm>
+            <a:prstGeom prst="curvedConnector3">
+              <a:avLst>
+                <a:gd name="adj1" fmla="val 100136"/>
+              </a:avLst>
+            </a:prstGeom>
+            <a:ln>
+              <a:tailEnd type="arrow"/>
+            </a:ln>
+          </p:spPr>
+          <p:style>
+            <a:lnRef idx="2">
+              <a:schemeClr val="accent1"/>
+            </a:lnRef>
+            <a:fillRef idx="0">
+              <a:schemeClr val="accent1"/>
+            </a:fillRef>
+            <a:effectRef idx="1">
+              <a:schemeClr val="accent1"/>
+            </a:effectRef>
+            <a:fontRef idx="minor">
+              <a:schemeClr val="tx1"/>
+            </a:fontRef>
+          </p:style>
+        </p:cxnSp>
+        <p:cxnSp>
+          <p:nvCxnSpPr>
+            <p:cNvPr id="29" name="Curved Connector 28"/>
+            <p:cNvCxnSpPr/>
+            <p:nvPr/>
+          </p:nvCxnSpPr>
+          <p:spPr>
+            <a:xfrm>
+              <a:off x="3469335" y="2382816"/>
+              <a:ext cx="4823300" cy="535436"/>
+            </a:xfrm>
+            <a:prstGeom prst="curvedConnector3">
+              <a:avLst>
+                <a:gd name="adj1" fmla="val 100081"/>
+              </a:avLst>
+            </a:prstGeom>
+            <a:ln>
+              <a:tailEnd type="arrow"/>
+            </a:ln>
+          </p:spPr>
+          <p:style>
+            <a:lnRef idx="2">
+              <a:schemeClr val="accent1"/>
+            </a:lnRef>
+            <a:fillRef idx="0">
+              <a:schemeClr val="accent1"/>
+            </a:fillRef>
+            <a:effectRef idx="1">
+              <a:schemeClr val="accent1"/>
+            </a:effectRef>
+            <a:fontRef idx="minor">
+              <a:schemeClr val="tx1"/>
+            </a:fontRef>
+          </p:style>
+        </p:cxnSp>
+      </p:grpSp>
+      <p:grpSp>
+        <p:nvGrpSpPr>
+          <p:cNvPr id="3" name="Group 2"/>
+          <p:cNvGrpSpPr/>
+          <p:nvPr/>
+        </p:nvGrpSpPr>
+        <p:grpSpPr>
+          <a:xfrm>
+            <a:off x="215977" y="3237777"/>
+            <a:ext cx="8638945" cy="1778137"/>
+            <a:chOff x="215977" y="3237777"/>
+            <a:chExt cx="8638945" cy="1778137"/>
+          </a:xfrm>
+        </p:grpSpPr>
+        <p:grpSp>
+          <p:nvGrpSpPr>
+            <p:cNvPr id="11" name="Group 10"/>
+            <p:cNvGrpSpPr/>
+            <p:nvPr/>
+          </p:nvGrpSpPr>
+          <p:grpSpPr>
+            <a:xfrm>
+              <a:off x="4566643" y="3237777"/>
+              <a:ext cx="4288279" cy="0"/>
+              <a:chOff x="2931795" y="1340597"/>
+              <a:chExt cx="4559532" cy="0"/>
+            </a:xfrm>
+          </p:grpSpPr>
+          <p:cxnSp>
+            <p:nvCxnSpPr>
+              <p:cNvPr id="6" name="Straight Connector 5"/>
+              <p:cNvCxnSpPr/>
+              <p:nvPr/>
+            </p:nvCxnSpPr>
+            <p:spPr>
+              <a:xfrm>
+                <a:off x="2931795" y="1340597"/>
+                <a:ext cx="630042" cy="0"/>
+              </a:xfrm>
+              <a:prstGeom prst="line">
+                <a:avLst/>
+              </a:prstGeom>
+              <a:ln>
+                <a:solidFill>
+                  <a:srgbClr val="C0504D"/>
+                </a:solidFill>
+              </a:ln>
+            </p:spPr>
+            <p:style>
+              <a:lnRef idx="2">
+                <a:schemeClr val="accent1"/>
+              </a:lnRef>
+              <a:fillRef idx="0">
+                <a:schemeClr val="accent1"/>
+              </a:fillRef>
+              <a:effectRef idx="1">
+                <a:schemeClr val="accent1"/>
+              </a:effectRef>
+              <a:fontRef idx="minor">
+                <a:schemeClr val="tx1"/>
+              </a:fontRef>
+            </p:style>
+          </p:cxnSp>
+          <p:cxnSp>
+            <p:nvCxnSpPr>
+              <p:cNvPr id="7" name="Straight Connector 6"/>
+              <p:cNvCxnSpPr/>
+              <p:nvPr/>
+            </p:nvCxnSpPr>
+            <p:spPr>
+              <a:xfrm>
+                <a:off x="4250193" y="1340597"/>
+                <a:ext cx="520695" cy="0"/>
+              </a:xfrm>
+              <a:prstGeom prst="line">
+                <a:avLst/>
+              </a:prstGeom>
+              <a:ln>
+                <a:solidFill>
+                  <a:srgbClr val="C0504D"/>
+                </a:solidFill>
+              </a:ln>
+            </p:spPr>
+            <p:style>
+              <a:lnRef idx="2">
+                <a:schemeClr val="accent1"/>
+              </a:lnRef>
+              <a:fillRef idx="0">
+                <a:schemeClr val="accent1"/>
+              </a:fillRef>
+              <a:effectRef idx="1">
+                <a:schemeClr val="accent1"/>
+              </a:effectRef>
+              <a:fontRef idx="minor">
+                <a:schemeClr val="tx1"/>
+              </a:fontRef>
+            </p:style>
+          </p:cxnSp>
+          <p:cxnSp>
+            <p:nvCxnSpPr>
+              <p:cNvPr id="8" name="Straight Connector 7"/>
+              <p:cNvCxnSpPr/>
+              <p:nvPr/>
+            </p:nvCxnSpPr>
+            <p:spPr>
+              <a:xfrm>
+                <a:off x="5390976" y="1340597"/>
+                <a:ext cx="520695" cy="0"/>
+              </a:xfrm>
+              <a:prstGeom prst="line">
+                <a:avLst/>
+              </a:prstGeom>
+              <a:ln>
+                <a:solidFill>
+                  <a:srgbClr val="C0504D"/>
+                </a:solidFill>
+              </a:ln>
+            </p:spPr>
+            <p:style>
+              <a:lnRef idx="2">
+                <a:schemeClr val="accent1"/>
+              </a:lnRef>
+              <a:fillRef idx="0">
+                <a:schemeClr val="accent1"/>
+              </a:fillRef>
+              <a:effectRef idx="1">
+                <a:schemeClr val="accent1"/>
+              </a:effectRef>
+              <a:fontRef idx="minor">
+                <a:schemeClr val="tx1"/>
+              </a:fontRef>
+            </p:style>
+          </p:cxnSp>
+          <p:cxnSp>
+            <p:nvCxnSpPr>
+              <p:cNvPr id="9" name="Straight Connector 8"/>
+              <p:cNvCxnSpPr/>
+              <p:nvPr/>
+            </p:nvCxnSpPr>
+            <p:spPr>
+              <a:xfrm>
+                <a:off x="6368330" y="1340597"/>
+                <a:ext cx="1122997" cy="0"/>
+              </a:xfrm>
+              <a:prstGeom prst="line">
+                <a:avLst/>
+              </a:prstGeom>
+              <a:ln>
+                <a:solidFill>
+                  <a:srgbClr val="C0504D"/>
+                </a:solidFill>
+              </a:ln>
+            </p:spPr>
+            <p:style>
+              <a:lnRef idx="2">
+                <a:schemeClr val="accent1"/>
+              </a:lnRef>
+              <a:fillRef idx="0">
+                <a:schemeClr val="accent1"/>
+              </a:fillRef>
+              <a:effectRef idx="1">
+                <a:schemeClr val="accent1"/>
+              </a:effectRef>
+              <a:fontRef idx="minor">
+                <a:schemeClr val="tx1"/>
+              </a:fontRef>
+            </p:style>
+          </p:cxnSp>
+        </p:grpSp>
+        <p:cxnSp>
+          <p:nvCxnSpPr>
+            <p:cNvPr id="34" name="Straight Connector 33"/>
+            <p:cNvCxnSpPr>
+              <a:endCxn id="41" idx="0"/>
+            </p:cNvCxnSpPr>
+            <p:nvPr/>
+          </p:nvCxnSpPr>
+          <p:spPr>
+            <a:xfrm>
+              <a:off x="4806242" y="3237777"/>
+              <a:ext cx="2036422" cy="728573"/>
             </a:xfrm>
             <a:prstGeom prst="line">
               <a:avLst/>
@@ -4149,14 +4327,17 @@
         </p:cxnSp>
         <p:cxnSp>
           <p:nvCxnSpPr>
-            <p:cNvPr id="7" name="Straight Connector 6"/>
-            <p:cNvCxnSpPr/>
+            <p:cNvPr id="36" name="Straight Connector 35"/>
+            <p:cNvCxnSpPr>
+              <a:stCxn id="4" idx="2"/>
+              <a:endCxn id="41" idx="0"/>
+            </p:cNvCxnSpPr>
             <p:nvPr/>
           </p:nvCxnSpPr>
           <p:spPr>
             <a:xfrm>
-              <a:off x="4250193" y="1340597"/>
-              <a:ext cx="520695" cy="0"/>
+              <a:off x="6101219" y="3250605"/>
+              <a:ext cx="741445" cy="715745"/>
             </a:xfrm>
             <a:prstGeom prst="line">
               <a:avLst/>
@@ -4184,14 +4365,16 @@
         </p:cxnSp>
         <p:cxnSp>
           <p:nvCxnSpPr>
-            <p:cNvPr id="8" name="Straight Connector 7"/>
-            <p:cNvCxnSpPr/>
+            <p:cNvPr id="38" name="Straight Connector 37"/>
+            <p:cNvCxnSpPr>
+              <a:endCxn id="41" idx="0"/>
+            </p:cNvCxnSpPr>
             <p:nvPr/>
           </p:nvCxnSpPr>
           <p:spPr>
-            <a:xfrm>
-              <a:off x="5390976" y="1340597"/>
-              <a:ext cx="520695" cy="0"/>
+            <a:xfrm flipH="1">
+              <a:off x="6842664" y="3237777"/>
+              <a:ext cx="252649" cy="728573"/>
             </a:xfrm>
             <a:prstGeom prst="line">
               <a:avLst/>
@@ -4219,14 +4402,16 @@
         </p:cxnSp>
         <p:cxnSp>
           <p:nvCxnSpPr>
-            <p:cNvPr id="9" name="Straight Connector 8"/>
-            <p:cNvCxnSpPr/>
+            <p:cNvPr id="40" name="Straight Connector 39"/>
+            <p:cNvCxnSpPr>
+              <a:endCxn id="41" idx="0"/>
+            </p:cNvCxnSpPr>
             <p:nvPr/>
           </p:nvCxnSpPr>
           <p:spPr>
-            <a:xfrm>
-              <a:off x="6368330" y="1340597"/>
-              <a:ext cx="1122997" cy="0"/>
+            <a:xfrm flipH="1">
+              <a:off x="6842664" y="3237777"/>
+              <a:ext cx="1449971" cy="728573"/>
             </a:xfrm>
             <a:prstGeom prst="line">
               <a:avLst/>
@@ -4252,404 +4437,270 @@
             </a:fontRef>
           </p:style>
         </p:cxnSp>
+        <p:sp>
+          <p:nvSpPr>
+            <p:cNvPr id="41" name="TextBox 40"/>
+            <p:cNvSpPr txBox="1"/>
+            <p:nvPr/>
+          </p:nvSpPr>
+          <p:spPr>
+            <a:xfrm>
+              <a:off x="6263080" y="3966350"/>
+              <a:ext cx="1159167" cy="369332"/>
+            </a:xfrm>
+            <a:prstGeom prst="rect">
+              <a:avLst/>
+            </a:prstGeom>
+            <a:noFill/>
+          </p:spPr>
+          <p:txBody>
+            <a:bodyPr wrap="none" rtlCol="0">
+              <a:spAutoFit/>
+            </a:bodyPr>
+            <a:lstStyle/>
+            <a:p>
+              <a:r>
+                <a:rPr lang="en-US" dirty="0" smtClean="0"/>
+                <a:t>MD5 Hash</a:t>
+              </a:r>
+              <a:endParaRPr lang="en-US" dirty="0"/>
+            </a:p>
+          </p:txBody>
+        </p:sp>
+        <p:sp>
+          <p:nvSpPr>
+            <p:cNvPr id="43" name="TextBox 42"/>
+            <p:cNvSpPr txBox="1"/>
+            <p:nvPr/>
+          </p:nvSpPr>
+          <p:spPr>
+            <a:xfrm>
+              <a:off x="215977" y="4646582"/>
+              <a:ext cx="7420889" cy="369332"/>
+            </a:xfrm>
+            <a:prstGeom prst="rect">
+              <a:avLst/>
+            </a:prstGeom>
+            <a:noFill/>
+          </p:spPr>
+          <p:txBody>
+            <a:bodyPr wrap="square" rtlCol="0">
+              <a:spAutoFit/>
+            </a:bodyPr>
+            <a:lstStyle/>
+            <a:p>
+              <a:r>
+                <a:rPr lang="en-US" dirty="0" smtClean="0"/>
+                <a:t>JSON: { </a:t>
+              </a:r>
+              <a:r>
+                <a:rPr lang="en-US" dirty="0" err="1" smtClean="0"/>
+                <a:t>custID</a:t>
+              </a:r>
+              <a:r>
+                <a:rPr lang="en-US" dirty="0" smtClean="0"/>
+                <a:t>: 12345, rew1: 40%, rew2: 50%, </a:t>
+              </a:r>
+              <a:r>
+                <a:rPr lang="en-US" dirty="0" err="1" smtClean="0"/>
+                <a:t>val</a:t>
+              </a:r>
+              <a:r>
+                <a:rPr lang="en-US" dirty="0" smtClean="0"/>
+                <a:t>: 05.10.2015, hash:        }</a:t>
+              </a:r>
+              <a:endParaRPr lang="en-US" dirty="0"/>
+            </a:p>
+          </p:txBody>
+        </p:sp>
+        <p:cxnSp>
+          <p:nvCxnSpPr>
+            <p:cNvPr id="50" name="Straight Arrow Connector 49"/>
+            <p:cNvCxnSpPr>
+              <a:stCxn id="41" idx="2"/>
+            </p:cNvCxnSpPr>
+            <p:nvPr/>
+          </p:nvCxnSpPr>
+          <p:spPr>
+            <a:xfrm>
+              <a:off x="6842664" y="4335682"/>
+              <a:ext cx="5606" cy="512652"/>
+            </a:xfrm>
+            <a:prstGeom prst="straightConnector1">
+              <a:avLst/>
+            </a:prstGeom>
+            <a:ln>
+              <a:solidFill>
+                <a:schemeClr val="accent2"/>
+              </a:solidFill>
+              <a:tailEnd type="arrow"/>
+            </a:ln>
+          </p:spPr>
+          <p:style>
+            <a:lnRef idx="2">
+              <a:schemeClr val="accent1"/>
+            </a:lnRef>
+            <a:fillRef idx="0">
+              <a:schemeClr val="accent1"/>
+            </a:fillRef>
+            <a:effectRef idx="1">
+              <a:schemeClr val="accent1"/>
+            </a:effectRef>
+            <a:fontRef idx="minor">
+              <a:schemeClr val="tx1"/>
+            </a:fontRef>
+          </p:style>
+        </p:cxnSp>
       </p:grpSp>
-      <p:cxnSp>
-        <p:nvCxnSpPr>
-          <p:cNvPr id="34" name="Straight Connector 33"/>
-          <p:cNvCxnSpPr>
-            <a:endCxn id="41" idx="0"/>
-          </p:cNvCxnSpPr>
+      <p:grpSp>
+        <p:nvGrpSpPr>
+          <p:cNvPr id="5" name="Group 4"/>
+          <p:cNvGrpSpPr/>
           <p:nvPr/>
-        </p:nvCxnSpPr>
-        <p:spPr>
+        </p:nvGrpSpPr>
+        <p:grpSpPr>
           <a:xfrm>
-            <a:off x="4806242" y="3237777"/>
-            <a:ext cx="2036422" cy="728573"/>
+            <a:off x="996444" y="5246802"/>
+            <a:ext cx="6959978" cy="1498484"/>
+            <a:chOff x="996444" y="5246802"/>
+            <a:chExt cx="6959978" cy="1498484"/>
           </a:xfrm>
-          <a:prstGeom prst="line">
-            <a:avLst/>
-          </a:prstGeom>
-          <a:ln>
-            <a:solidFill>
-              <a:srgbClr val="C0504D"/>
-            </a:solidFill>
-          </a:ln>
-        </p:spPr>
-        <p:style>
-          <a:lnRef idx="2">
-            <a:schemeClr val="accent1"/>
-          </a:lnRef>
-          <a:fillRef idx="0">
-            <a:schemeClr val="accent1"/>
-          </a:fillRef>
-          <a:effectRef idx="1">
-            <a:schemeClr val="accent1"/>
-          </a:effectRef>
-          <a:fontRef idx="minor">
-            <a:schemeClr val="tx1"/>
-          </a:fontRef>
-        </p:style>
-      </p:cxnSp>
-      <p:cxnSp>
-        <p:nvCxnSpPr>
-          <p:cNvPr id="36" name="Straight Connector 35"/>
-          <p:cNvCxnSpPr>
-            <a:stCxn id="4" idx="2"/>
-            <a:endCxn id="41" idx="0"/>
-          </p:cNvCxnSpPr>
-          <p:nvPr/>
-        </p:nvCxnSpPr>
-        <p:spPr>
-          <a:xfrm>
-            <a:off x="6101219" y="3250605"/>
-            <a:ext cx="741445" cy="715745"/>
-          </a:xfrm>
-          <a:prstGeom prst="line">
-            <a:avLst/>
-          </a:prstGeom>
-          <a:ln>
-            <a:solidFill>
-              <a:srgbClr val="C0504D"/>
-            </a:solidFill>
-          </a:ln>
-        </p:spPr>
-        <p:style>
-          <a:lnRef idx="2">
-            <a:schemeClr val="accent1"/>
-          </a:lnRef>
-          <a:fillRef idx="0">
-            <a:schemeClr val="accent1"/>
-          </a:fillRef>
-          <a:effectRef idx="1">
-            <a:schemeClr val="accent1"/>
-          </a:effectRef>
-          <a:fontRef idx="minor">
-            <a:schemeClr val="tx1"/>
-          </a:fontRef>
-        </p:style>
-      </p:cxnSp>
-      <p:cxnSp>
-        <p:nvCxnSpPr>
-          <p:cNvPr id="38" name="Straight Connector 37"/>
-          <p:cNvCxnSpPr>
-            <a:endCxn id="41" idx="0"/>
-          </p:cNvCxnSpPr>
-          <p:nvPr/>
-        </p:nvCxnSpPr>
-        <p:spPr>
-          <a:xfrm flipH="1">
-            <a:off x="6842664" y="3237777"/>
-            <a:ext cx="252649" cy="728573"/>
-          </a:xfrm>
-          <a:prstGeom prst="line">
-            <a:avLst/>
-          </a:prstGeom>
-          <a:ln>
-            <a:solidFill>
-              <a:srgbClr val="C0504D"/>
-            </a:solidFill>
-          </a:ln>
-        </p:spPr>
-        <p:style>
-          <a:lnRef idx="2">
-            <a:schemeClr val="accent1"/>
-          </a:lnRef>
-          <a:fillRef idx="0">
-            <a:schemeClr val="accent1"/>
-          </a:fillRef>
-          <a:effectRef idx="1">
-            <a:schemeClr val="accent1"/>
-          </a:effectRef>
-          <a:fontRef idx="minor">
-            <a:schemeClr val="tx1"/>
-          </a:fontRef>
-        </p:style>
-      </p:cxnSp>
-      <p:cxnSp>
-        <p:nvCxnSpPr>
-          <p:cNvPr id="40" name="Straight Connector 39"/>
-          <p:cNvCxnSpPr>
-            <a:endCxn id="41" idx="0"/>
-          </p:cNvCxnSpPr>
-          <p:nvPr/>
-        </p:nvCxnSpPr>
-        <p:spPr>
-          <a:xfrm flipH="1">
-            <a:off x="6842664" y="3237777"/>
-            <a:ext cx="1449971" cy="728573"/>
-          </a:xfrm>
-          <a:prstGeom prst="line">
-            <a:avLst/>
-          </a:prstGeom>
-          <a:ln>
-            <a:solidFill>
-              <a:srgbClr val="C0504D"/>
-            </a:solidFill>
-          </a:ln>
-        </p:spPr>
-        <p:style>
-          <a:lnRef idx="2">
-            <a:schemeClr val="accent1"/>
-          </a:lnRef>
-          <a:fillRef idx="0">
-            <a:schemeClr val="accent1"/>
-          </a:fillRef>
-          <a:effectRef idx="1">
-            <a:schemeClr val="accent1"/>
-          </a:effectRef>
-          <a:fontRef idx="minor">
-            <a:schemeClr val="tx1"/>
-          </a:fontRef>
-        </p:style>
-      </p:cxnSp>
-      <p:sp>
-        <p:nvSpPr>
-          <p:cNvPr id="41" name="TextBox 40"/>
-          <p:cNvSpPr txBox="1"/>
-          <p:nvPr/>
-        </p:nvSpPr>
-        <p:spPr>
-          <a:xfrm>
-            <a:off x="6263080" y="3966350"/>
-            <a:ext cx="1159167" cy="369332"/>
-          </a:xfrm>
-          <a:prstGeom prst="rect">
-            <a:avLst/>
-          </a:prstGeom>
-          <a:noFill/>
-        </p:spPr>
-        <p:txBody>
-          <a:bodyPr wrap="none" rtlCol="0">
-            <a:spAutoFit/>
-          </a:bodyPr>
-          <a:lstStyle/>
-          <a:p>
-            <a:r>
-              <a:rPr lang="en-US" dirty="0" smtClean="0"/>
-              <a:t>MD5 Hash</a:t>
-            </a:r>
-            <a:endParaRPr lang="en-US" dirty="0"/>
-          </a:p>
-        </p:txBody>
-      </p:sp>
-      <p:sp>
-        <p:nvSpPr>
-          <p:cNvPr id="43" name="TextBox 42"/>
-          <p:cNvSpPr txBox="1"/>
-          <p:nvPr/>
-        </p:nvSpPr>
-        <p:spPr>
-          <a:xfrm>
-            <a:off x="215977" y="4646582"/>
-            <a:ext cx="7420889" cy="369332"/>
-          </a:xfrm>
-          <a:prstGeom prst="rect">
-            <a:avLst/>
-          </a:prstGeom>
-          <a:noFill/>
-        </p:spPr>
-        <p:txBody>
-          <a:bodyPr wrap="square" rtlCol="0">
-            <a:spAutoFit/>
-          </a:bodyPr>
-          <a:lstStyle/>
-          <a:p>
-            <a:r>
-              <a:rPr lang="en-US" dirty="0" smtClean="0"/>
-              <a:t>JSON: { </a:t>
-            </a:r>
-            <a:r>
-              <a:rPr lang="en-US" dirty="0" err="1" smtClean="0"/>
-              <a:t>custID</a:t>
-            </a:r>
-            <a:r>
-              <a:rPr lang="en-US" dirty="0" smtClean="0"/>
-              <a:t>: 12345, rew1: 40%, rew2: 50%, </a:t>
-            </a:r>
-            <a:r>
-              <a:rPr lang="en-US" dirty="0" err="1" smtClean="0"/>
-              <a:t>val</a:t>
-            </a:r>
-            <a:r>
-              <a:rPr lang="en-US" dirty="0" smtClean="0"/>
-              <a:t>: 05.10.2015, hash:        }</a:t>
-            </a:r>
-            <a:endParaRPr lang="en-US" dirty="0"/>
-          </a:p>
-        </p:txBody>
-      </p:sp>
-      <p:cxnSp>
-        <p:nvCxnSpPr>
-          <p:cNvPr id="50" name="Straight Arrow Connector 49"/>
-          <p:cNvCxnSpPr>
-            <a:stCxn id="41" idx="2"/>
-          </p:cNvCxnSpPr>
-          <p:nvPr/>
-        </p:nvCxnSpPr>
-        <p:spPr>
-          <a:xfrm>
-            <a:off x="6842664" y="4335682"/>
-            <a:ext cx="5606" cy="512652"/>
-          </a:xfrm>
-          <a:prstGeom prst="straightConnector1">
-            <a:avLst/>
-          </a:prstGeom>
-          <a:ln>
-            <a:solidFill>
-              <a:schemeClr val="accent2"/>
-            </a:solidFill>
-            <a:tailEnd type="arrow"/>
-          </a:ln>
-        </p:spPr>
-        <p:style>
-          <a:lnRef idx="2">
-            <a:schemeClr val="accent1"/>
-          </a:lnRef>
-          <a:fillRef idx="0">
-            <a:schemeClr val="accent1"/>
-          </a:fillRef>
-          <a:effectRef idx="1">
-            <a:schemeClr val="accent1"/>
-          </a:effectRef>
-          <a:fontRef idx="minor">
-            <a:schemeClr val="tx1"/>
-          </a:fontRef>
-        </p:style>
-      </p:cxnSp>
-      <p:cxnSp>
-        <p:nvCxnSpPr>
-          <p:cNvPr id="56" name="Straight Arrow Connector 55"/>
-          <p:cNvCxnSpPr/>
-          <p:nvPr/>
-        </p:nvCxnSpPr>
-        <p:spPr>
-          <a:xfrm>
-            <a:off x="4382894" y="5246802"/>
-            <a:ext cx="12452" cy="971264"/>
-          </a:xfrm>
-          <a:prstGeom prst="straightConnector1">
-            <a:avLst/>
-          </a:prstGeom>
-          <a:ln w="38100" cmpd="sng">
-            <a:solidFill>
-              <a:schemeClr val="accent3"/>
-            </a:solidFill>
-            <a:tailEnd type="arrow"/>
-          </a:ln>
-        </p:spPr>
-        <p:style>
-          <a:lnRef idx="2">
-            <a:schemeClr val="accent1"/>
-          </a:lnRef>
-          <a:fillRef idx="0">
-            <a:schemeClr val="accent1"/>
-          </a:fillRef>
-          <a:effectRef idx="1">
-            <a:schemeClr val="accent1"/>
-          </a:effectRef>
-          <a:fontRef idx="minor">
-            <a:schemeClr val="tx1"/>
-          </a:fontRef>
-        </p:style>
-      </p:cxnSp>
-      <p:sp>
-        <p:nvSpPr>
-          <p:cNvPr id="58" name="TextBox 57"/>
-          <p:cNvSpPr txBox="1"/>
-          <p:nvPr/>
-        </p:nvSpPr>
-        <p:spPr>
-          <a:xfrm>
-            <a:off x="4694179" y="5271706"/>
-            <a:ext cx="3134204" cy="369332"/>
-          </a:xfrm>
-          <a:prstGeom prst="rect">
-            <a:avLst/>
-          </a:prstGeom>
-          <a:noFill/>
-        </p:spPr>
-        <p:txBody>
-          <a:bodyPr wrap="none" rtlCol="0">
-            <a:spAutoFit/>
-          </a:bodyPr>
-          <a:lstStyle/>
-          <a:p>
-            <a:r>
-              <a:rPr lang="en-US" dirty="0" smtClean="0"/>
-              <a:t>ENCRYPT using AES (secret key)</a:t>
-            </a:r>
-            <a:endParaRPr lang="en-US" dirty="0"/>
-          </a:p>
-        </p:txBody>
-      </p:sp>
-      <p:sp>
-        <p:nvSpPr>
-          <p:cNvPr id="59" name="TextBox 58"/>
-          <p:cNvSpPr txBox="1"/>
-          <p:nvPr/>
-        </p:nvSpPr>
-        <p:spPr>
-          <a:xfrm>
-            <a:off x="4704322" y="5768534"/>
-            <a:ext cx="3252100" cy="369332"/>
-          </a:xfrm>
-          <a:prstGeom prst="rect">
-            <a:avLst/>
-          </a:prstGeom>
-          <a:noFill/>
-        </p:spPr>
-        <p:txBody>
-          <a:bodyPr wrap="none" rtlCol="0">
-            <a:spAutoFit/>
-          </a:bodyPr>
-          <a:lstStyle/>
-          <a:p>
-            <a:r>
-              <a:rPr lang="en-US" dirty="0" smtClean="0"/>
-              <a:t>ENCODE using Base64 (URL safe)</a:t>
-            </a:r>
-            <a:endParaRPr lang="en-US" dirty="0"/>
-          </a:p>
-        </p:txBody>
-      </p:sp>
-      <p:sp>
-        <p:nvSpPr>
-          <p:cNvPr id="60" name="TextBox 59"/>
-          <p:cNvSpPr txBox="1"/>
-          <p:nvPr/>
-        </p:nvSpPr>
-        <p:spPr>
-          <a:xfrm>
-            <a:off x="996444" y="6375954"/>
-            <a:ext cx="6640422" cy="369332"/>
-          </a:xfrm>
-          <a:prstGeom prst="rect">
-            <a:avLst/>
-          </a:prstGeom>
-          <a:noFill/>
-        </p:spPr>
-        <p:txBody>
-          <a:bodyPr wrap="none" rtlCol="0">
-            <a:spAutoFit/>
-          </a:bodyPr>
-          <a:lstStyle/>
-          <a:p>
-            <a:r>
-              <a:rPr lang="en-US" dirty="0" smtClean="0"/>
-              <a:t>URL: http://</a:t>
-            </a:r>
-            <a:r>
-              <a:rPr lang="en-US" dirty="0" err="1" smtClean="0"/>
-              <a:t>localhost</a:t>
-            </a:r>
-            <a:r>
-              <a:rPr lang="en-US" dirty="0" smtClean="0"/>
-              <a:t>/invite/_________________________________</a:t>
-            </a:r>
-            <a:endParaRPr lang="en-US" dirty="0"/>
-          </a:p>
-        </p:txBody>
-      </p:sp>
+        </p:grpSpPr>
+        <p:cxnSp>
+          <p:nvCxnSpPr>
+            <p:cNvPr id="56" name="Straight Arrow Connector 55"/>
+            <p:cNvCxnSpPr/>
+            <p:nvPr/>
+          </p:nvCxnSpPr>
+          <p:spPr>
+            <a:xfrm>
+              <a:off x="4382894" y="5246802"/>
+              <a:ext cx="12452" cy="971264"/>
+            </a:xfrm>
+            <a:prstGeom prst="straightConnector1">
+              <a:avLst/>
+            </a:prstGeom>
+            <a:ln w="38100" cmpd="sng">
+              <a:solidFill>
+                <a:schemeClr val="accent3"/>
+              </a:solidFill>
+              <a:tailEnd type="arrow"/>
+            </a:ln>
+          </p:spPr>
+          <p:style>
+            <a:lnRef idx="2">
+              <a:schemeClr val="accent1"/>
+            </a:lnRef>
+            <a:fillRef idx="0">
+              <a:schemeClr val="accent1"/>
+            </a:fillRef>
+            <a:effectRef idx="1">
+              <a:schemeClr val="accent1"/>
+            </a:effectRef>
+            <a:fontRef idx="minor">
+              <a:schemeClr val="tx1"/>
+            </a:fontRef>
+          </p:style>
+        </p:cxnSp>
+        <p:sp>
+          <p:nvSpPr>
+            <p:cNvPr id="58" name="TextBox 57"/>
+            <p:cNvSpPr txBox="1"/>
+            <p:nvPr/>
+          </p:nvSpPr>
+          <p:spPr>
+            <a:xfrm>
+              <a:off x="4694179" y="5271706"/>
+              <a:ext cx="3134204" cy="369332"/>
+            </a:xfrm>
+            <a:prstGeom prst="rect">
+              <a:avLst/>
+            </a:prstGeom>
+            <a:noFill/>
+          </p:spPr>
+          <p:txBody>
+            <a:bodyPr wrap="none" rtlCol="0">
+              <a:spAutoFit/>
+            </a:bodyPr>
+            <a:lstStyle/>
+            <a:p>
+              <a:r>
+                <a:rPr lang="en-US" dirty="0" smtClean="0"/>
+                <a:t>ENCRYPT using AES (secret key)</a:t>
+              </a:r>
+              <a:endParaRPr lang="en-US" dirty="0"/>
+            </a:p>
+          </p:txBody>
+        </p:sp>
+        <p:sp>
+          <p:nvSpPr>
+            <p:cNvPr id="59" name="TextBox 58"/>
+            <p:cNvSpPr txBox="1"/>
+            <p:nvPr/>
+          </p:nvSpPr>
+          <p:spPr>
+            <a:xfrm>
+              <a:off x="4704322" y="5768534"/>
+              <a:ext cx="3252100" cy="369332"/>
+            </a:xfrm>
+            <a:prstGeom prst="rect">
+              <a:avLst/>
+            </a:prstGeom>
+            <a:noFill/>
+          </p:spPr>
+          <p:txBody>
+            <a:bodyPr wrap="none" rtlCol="0">
+              <a:spAutoFit/>
+            </a:bodyPr>
+            <a:lstStyle/>
+            <a:p>
+              <a:r>
+                <a:rPr lang="en-US" dirty="0" smtClean="0"/>
+                <a:t>ENCODE using Base64 (URL safe)</a:t>
+              </a:r>
+              <a:endParaRPr lang="en-US" dirty="0"/>
+            </a:p>
+          </p:txBody>
+        </p:sp>
+        <p:sp>
+          <p:nvSpPr>
+            <p:cNvPr id="60" name="TextBox 59"/>
+            <p:cNvSpPr txBox="1"/>
+            <p:nvPr/>
+          </p:nvSpPr>
+          <p:spPr>
+            <a:xfrm>
+              <a:off x="996444" y="6375954"/>
+              <a:ext cx="6640422" cy="369332"/>
+            </a:xfrm>
+            <a:prstGeom prst="rect">
+              <a:avLst/>
+            </a:prstGeom>
+            <a:noFill/>
+          </p:spPr>
+          <p:txBody>
+            <a:bodyPr wrap="none" rtlCol="0">
+              <a:spAutoFit/>
+            </a:bodyPr>
+            <a:lstStyle/>
+            <a:p>
+              <a:r>
+                <a:rPr lang="en-US" dirty="0" smtClean="0"/>
+                <a:t>URL: http://</a:t>
+              </a:r>
+              <a:r>
+                <a:rPr lang="en-US" dirty="0" err="1" smtClean="0"/>
+                <a:t>localhost</a:t>
+              </a:r>
+              <a:r>
+                <a:rPr lang="en-US" dirty="0" smtClean="0"/>
+                <a:t>/invite/_________________________________</a:t>
+              </a:r>
+              <a:endParaRPr lang="en-US" dirty="0"/>
+            </a:p>
+          </p:txBody>
+        </p:sp>
+      </p:grpSp>
       <p:sp>
         <p:nvSpPr>
           <p:cNvPr id="62" name="TextBox 61"/>
@@ -4690,6 +4741,171 @@
   <p:clrMapOvr>
     <a:masterClrMapping/>
   </p:clrMapOvr>
+  <p:timing>
+    <p:tnLst>
+      <p:par>
+        <p:cTn xmlns:p14="http://schemas.microsoft.com/office/powerpoint/2010/main" id="1" dur="indefinite" restart="never" nodeType="tmRoot">
+          <p:childTnLst>
+            <p:seq concurrent="1" nextAc="seek">
+              <p:cTn id="2" dur="indefinite" nodeType="mainSeq">
+                <p:childTnLst>
+                  <p:par>
+                    <p:cTn id="3" fill="hold">
+                      <p:stCondLst>
+                        <p:cond delay="indefinite"/>
+                      </p:stCondLst>
+                      <p:childTnLst>
+                        <p:par>
+                          <p:cTn id="4" fill="hold">
+                            <p:stCondLst>
+                              <p:cond delay="0"/>
+                            </p:stCondLst>
+                            <p:childTnLst>
+                              <p:par>
+                                <p:cTn id="5" presetID="1" presetClass="entr" presetSubtype="0" fill="hold" nodeType="clickEffect">
+                                  <p:stCondLst>
+                                    <p:cond delay="0"/>
+                                  </p:stCondLst>
+                                  <p:childTnLst>
+                                    <p:set>
+                                      <p:cBhvr>
+                                        <p:cTn id="6" dur="1" fill="hold">
+                                          <p:stCondLst>
+                                            <p:cond delay="0"/>
+                                          </p:stCondLst>
+                                        </p:cTn>
+                                        <p:tgtEl>
+                                          <p:spTgt spid="2"/>
+                                        </p:tgtEl>
+                                        <p:attrNameLst>
+                                          <p:attrName>style.visibility</p:attrName>
+                                        </p:attrNameLst>
+                                      </p:cBhvr>
+                                      <p:to>
+                                        <p:strVal val="visible"/>
+                                      </p:to>
+                                    </p:set>
+                                  </p:childTnLst>
+                                </p:cTn>
+                              </p:par>
+                            </p:childTnLst>
+                          </p:cTn>
+                        </p:par>
+                      </p:childTnLst>
+                    </p:cTn>
+                  </p:par>
+                  <p:par>
+                    <p:cTn id="7" fill="hold">
+                      <p:stCondLst>
+                        <p:cond delay="indefinite"/>
+                      </p:stCondLst>
+                      <p:childTnLst>
+                        <p:par>
+                          <p:cTn id="8" fill="hold">
+                            <p:stCondLst>
+                              <p:cond delay="0"/>
+                            </p:stCondLst>
+                            <p:childTnLst>
+                              <p:par>
+                                <p:cTn id="9" presetID="1" presetClass="entr" presetSubtype="0" fill="hold" nodeType="clickEffect">
+                                  <p:stCondLst>
+                                    <p:cond delay="0"/>
+                                  </p:stCondLst>
+                                  <p:childTnLst>
+                                    <p:set>
+                                      <p:cBhvr>
+                                        <p:cTn id="10" dur="1" fill="hold">
+                                          <p:stCondLst>
+                                            <p:cond delay="0"/>
+                                          </p:stCondLst>
+                                        </p:cTn>
+                                        <p:tgtEl>
+                                          <p:spTgt spid="3"/>
+                                        </p:tgtEl>
+                                        <p:attrNameLst>
+                                          <p:attrName>style.visibility</p:attrName>
+                                        </p:attrNameLst>
+                                      </p:cBhvr>
+                                      <p:to>
+                                        <p:strVal val="visible"/>
+                                      </p:to>
+                                    </p:set>
+                                  </p:childTnLst>
+                                </p:cTn>
+                              </p:par>
+                            </p:childTnLst>
+                          </p:cTn>
+                        </p:par>
+                      </p:childTnLst>
+                    </p:cTn>
+                  </p:par>
+                  <p:par>
+                    <p:cTn id="11" fill="hold">
+                      <p:stCondLst>
+                        <p:cond delay="indefinite"/>
+                      </p:stCondLst>
+                      <p:childTnLst>
+                        <p:par>
+                          <p:cTn id="12" fill="hold">
+                            <p:stCondLst>
+                              <p:cond delay="0"/>
+                            </p:stCondLst>
+                            <p:childTnLst>
+                              <p:par>
+                                <p:cTn id="13" presetID="1" presetClass="entr" presetSubtype="0" fill="hold" nodeType="clickEffect">
+                                  <p:stCondLst>
+                                    <p:cond delay="0"/>
+                                  </p:stCondLst>
+                                  <p:childTnLst>
+                                    <p:set>
+                                      <p:cBhvr>
+                                        <p:cTn id="14" dur="1" fill="hold">
+                                          <p:stCondLst>
+                                            <p:cond delay="0"/>
+                                          </p:stCondLst>
+                                        </p:cTn>
+                                        <p:tgtEl>
+                                          <p:spTgt spid="5"/>
+                                        </p:tgtEl>
+                                        <p:attrNameLst>
+                                          <p:attrName>style.visibility</p:attrName>
+                                        </p:attrNameLst>
+                                      </p:cBhvr>
+                                      <p:to>
+                                        <p:strVal val="visible"/>
+                                      </p:to>
+                                    </p:set>
+                                  </p:childTnLst>
+                                </p:cTn>
+                              </p:par>
+                            </p:childTnLst>
+                          </p:cTn>
+                        </p:par>
+                      </p:childTnLst>
+                    </p:cTn>
+                  </p:par>
+                </p:childTnLst>
+              </p:cTn>
+              <p:prevCondLst>
+                <p:cond evt="onPrev" delay="0">
+                  <p:tgtEl>
+                    <p:sldTgt/>
+                  </p:tgtEl>
+                </p:cond>
+              </p:prevCondLst>
+              <p:nextCondLst>
+                <p:cond evt="onNext" delay="0">
+                  <p:tgtEl>
+                    <p:sldTgt/>
+                  </p:tgtEl>
+                </p:cond>
+              </p:nextCondLst>
+            </p:seq>
+          </p:childTnLst>
+        </p:cTn>
+      </p:par>
+    </p:tnLst>
+  </p:timing>
 </p:sld>
 </file>
 
@@ -4748,52 +4964,16 @@
           </a:p>
         </p:txBody>
       </p:sp>
-      <p:cxnSp>
-        <p:nvCxnSpPr>
-          <p:cNvPr id="5" name="Straight Arrow Connector 4"/>
-          <p:cNvCxnSpPr/>
+      <p:sp>
+        <p:nvSpPr>
+          <p:cNvPr id="28" name="TextBox 27"/>
+          <p:cNvSpPr txBox="1"/>
           <p:nvPr/>
-        </p:nvCxnSpPr>
+        </p:nvSpPr>
         <p:spPr>
           <a:xfrm>
-            <a:off x="4009352" y="1642413"/>
-            <a:ext cx="12452" cy="971264"/>
-          </a:xfrm>
-          <a:prstGeom prst="straightConnector1">
-            <a:avLst/>
-          </a:prstGeom>
-          <a:ln w="38100" cmpd="sng">
-            <a:solidFill>
-              <a:srgbClr val="9BBB59"/>
-            </a:solidFill>
-            <a:tailEnd type="arrow"/>
-          </a:ln>
-        </p:spPr>
-        <p:style>
-          <a:lnRef idx="2">
-            <a:schemeClr val="accent1"/>
-          </a:lnRef>
-          <a:fillRef idx="0">
-            <a:schemeClr val="accent1"/>
-          </a:fillRef>
-          <a:effectRef idx="1">
-            <a:schemeClr val="accent1"/>
-          </a:effectRef>
-          <a:fontRef idx="minor">
-            <a:schemeClr val="tx1"/>
-          </a:fontRef>
-        </p:style>
-      </p:cxnSp>
-      <p:sp>
-        <p:nvSpPr>
-          <p:cNvPr id="6" name="TextBox 5"/>
-          <p:cNvSpPr txBox="1"/>
-          <p:nvPr/>
-        </p:nvSpPr>
-        <p:spPr>
-          <a:xfrm>
-            <a:off x="4351110" y="2036649"/>
-            <a:ext cx="3127216" cy="369332"/>
+            <a:off x="2974930" y="230832"/>
+            <a:ext cx="3506088" cy="461665"/>
           </a:xfrm>
           <a:prstGeom prst="rect">
             <a:avLst/>
@@ -4807,113 +4987,194 @@
           <a:lstStyle/>
           <a:p>
             <a:r>
-              <a:rPr lang="en-US" dirty="0" smtClean="0"/>
-              <a:t>DECRYPT using AES (secret key)</a:t>
-            </a:r>
-            <a:endParaRPr lang="en-US" dirty="0"/>
-          </a:p>
-        </p:txBody>
-      </p:sp>
-      <p:sp>
-        <p:nvSpPr>
-          <p:cNvPr id="7" name="TextBox 6"/>
-          <p:cNvSpPr txBox="1"/>
-          <p:nvPr/>
-        </p:nvSpPr>
-        <p:spPr>
-          <a:xfrm>
-            <a:off x="4337468" y="1642413"/>
-            <a:ext cx="2244124" cy="369332"/>
-          </a:xfrm>
-          <a:prstGeom prst="rect">
-            <a:avLst/>
-          </a:prstGeom>
-          <a:noFill/>
-        </p:spPr>
-        <p:txBody>
-          <a:bodyPr wrap="none" rtlCol="0">
-            <a:spAutoFit/>
-          </a:bodyPr>
-          <a:lstStyle/>
-          <a:p>
-            <a:r>
-              <a:rPr lang="en-US" dirty="0" smtClean="0"/>
-              <a:t>DECODE using Base64</a:t>
-            </a:r>
-            <a:endParaRPr lang="en-US" dirty="0"/>
-          </a:p>
-        </p:txBody>
-      </p:sp>
-      <p:sp>
-        <p:nvSpPr>
-          <p:cNvPr id="10" name="TextBox 9"/>
-          <p:cNvSpPr txBox="1"/>
-          <p:nvPr/>
-        </p:nvSpPr>
-        <p:spPr>
-          <a:xfrm>
-            <a:off x="601972" y="2897557"/>
-            <a:ext cx="7420889" cy="369332"/>
-          </a:xfrm>
-          <a:prstGeom prst="rect">
-            <a:avLst/>
-          </a:prstGeom>
-          <a:noFill/>
-        </p:spPr>
-        <p:txBody>
-          <a:bodyPr wrap="square" rtlCol="0">
-            <a:spAutoFit/>
-          </a:bodyPr>
-          <a:lstStyle/>
-          <a:p>
-            <a:r>
-              <a:rPr lang="en-US" dirty="0" smtClean="0"/>
-              <a:t>JSON: { </a:t>
-            </a:r>
-            <a:r>
-              <a:rPr lang="en-US" dirty="0" err="1" smtClean="0"/>
-              <a:t>custID</a:t>
-            </a:r>
-            <a:r>
-              <a:rPr lang="en-US" dirty="0" smtClean="0"/>
-              <a:t>: 12345, rew1: 40%, rew2: 50%, </a:t>
-            </a:r>
-            <a:r>
-              <a:rPr lang="en-US" dirty="0" err="1" smtClean="0"/>
-              <a:t>val</a:t>
-            </a:r>
-            <a:r>
-              <a:rPr lang="en-US" dirty="0" smtClean="0"/>
-              <a:t>: 05.10.2015, hash: ……. }</a:t>
-            </a:r>
-            <a:endParaRPr lang="en-US" dirty="0"/>
+              <a:rPr lang="en-US" sz="2400" dirty="0" smtClean="0"/>
+              <a:t>Decryption &amp; Data Validity</a:t>
+            </a:r>
+            <a:endParaRPr lang="en-US" sz="2400" dirty="0"/>
           </a:p>
         </p:txBody>
       </p:sp>
       <p:grpSp>
         <p:nvGrpSpPr>
-          <p:cNvPr id="11" name="Group 10"/>
+          <p:cNvPr id="3" name="Group 2"/>
           <p:cNvGrpSpPr/>
           <p:nvPr/>
         </p:nvGrpSpPr>
         <p:grpSpPr>
           <a:xfrm>
             <a:off x="2116505" y="3266889"/>
-            <a:ext cx="4288279" cy="0"/>
-            <a:chOff x="2931795" y="1340597"/>
-            <a:chExt cx="4559532" cy="0"/>
+            <a:ext cx="5909108" cy="2704627"/>
+            <a:chOff x="2116505" y="3266889"/>
+            <a:chExt cx="5909108" cy="2704627"/>
           </a:xfrm>
         </p:grpSpPr>
+        <p:grpSp>
+          <p:nvGrpSpPr>
+            <p:cNvPr id="11" name="Group 10"/>
+            <p:cNvGrpSpPr/>
+            <p:nvPr/>
+          </p:nvGrpSpPr>
+          <p:grpSpPr>
+            <a:xfrm>
+              <a:off x="2116505" y="3266889"/>
+              <a:ext cx="4288279" cy="0"/>
+              <a:chOff x="2931795" y="1340597"/>
+              <a:chExt cx="4559532" cy="0"/>
+            </a:xfrm>
+          </p:grpSpPr>
+          <p:cxnSp>
+            <p:nvCxnSpPr>
+              <p:cNvPr id="12" name="Straight Connector 11"/>
+              <p:cNvCxnSpPr/>
+              <p:nvPr/>
+            </p:nvCxnSpPr>
+            <p:spPr>
+              <a:xfrm>
+                <a:off x="2931795" y="1340597"/>
+                <a:ext cx="630042" cy="0"/>
+              </a:xfrm>
+              <a:prstGeom prst="line">
+                <a:avLst/>
+              </a:prstGeom>
+              <a:ln>
+                <a:solidFill>
+                  <a:schemeClr val="accent2"/>
+                </a:solidFill>
+              </a:ln>
+            </p:spPr>
+            <p:style>
+              <a:lnRef idx="2">
+                <a:schemeClr val="accent1"/>
+              </a:lnRef>
+              <a:fillRef idx="0">
+                <a:schemeClr val="accent1"/>
+              </a:fillRef>
+              <a:effectRef idx="1">
+                <a:schemeClr val="accent1"/>
+              </a:effectRef>
+              <a:fontRef idx="minor">
+                <a:schemeClr val="tx1"/>
+              </a:fontRef>
+            </p:style>
+          </p:cxnSp>
+          <p:cxnSp>
+            <p:nvCxnSpPr>
+              <p:cNvPr id="13" name="Straight Connector 12"/>
+              <p:cNvCxnSpPr/>
+              <p:nvPr/>
+            </p:nvCxnSpPr>
+            <p:spPr>
+              <a:xfrm>
+                <a:off x="4250193" y="1340597"/>
+                <a:ext cx="520695" cy="0"/>
+              </a:xfrm>
+              <a:prstGeom prst="line">
+                <a:avLst/>
+              </a:prstGeom>
+              <a:ln>
+                <a:solidFill>
+                  <a:schemeClr val="accent2"/>
+                </a:solidFill>
+              </a:ln>
+            </p:spPr>
+            <p:style>
+              <a:lnRef idx="2">
+                <a:schemeClr val="accent1"/>
+              </a:lnRef>
+              <a:fillRef idx="0">
+                <a:schemeClr val="accent1"/>
+              </a:fillRef>
+              <a:effectRef idx="1">
+                <a:schemeClr val="accent1"/>
+              </a:effectRef>
+              <a:fontRef idx="minor">
+                <a:schemeClr val="tx1"/>
+              </a:fontRef>
+            </p:style>
+          </p:cxnSp>
+          <p:cxnSp>
+            <p:nvCxnSpPr>
+              <p:cNvPr id="14" name="Straight Connector 13"/>
+              <p:cNvCxnSpPr/>
+              <p:nvPr/>
+            </p:nvCxnSpPr>
+            <p:spPr>
+              <a:xfrm>
+                <a:off x="5390976" y="1340597"/>
+                <a:ext cx="520695" cy="0"/>
+              </a:xfrm>
+              <a:prstGeom prst="line">
+                <a:avLst/>
+              </a:prstGeom>
+              <a:ln>
+                <a:solidFill>
+                  <a:schemeClr val="accent2"/>
+                </a:solidFill>
+              </a:ln>
+            </p:spPr>
+            <p:style>
+              <a:lnRef idx="2">
+                <a:schemeClr val="accent1"/>
+              </a:lnRef>
+              <a:fillRef idx="0">
+                <a:schemeClr val="accent1"/>
+              </a:fillRef>
+              <a:effectRef idx="1">
+                <a:schemeClr val="accent1"/>
+              </a:effectRef>
+              <a:fontRef idx="minor">
+                <a:schemeClr val="tx1"/>
+              </a:fontRef>
+            </p:style>
+          </p:cxnSp>
+          <p:cxnSp>
+            <p:nvCxnSpPr>
+              <p:cNvPr id="15" name="Straight Connector 14"/>
+              <p:cNvCxnSpPr/>
+              <p:nvPr/>
+            </p:nvCxnSpPr>
+            <p:spPr>
+              <a:xfrm>
+                <a:off x="6368330" y="1340597"/>
+                <a:ext cx="1122997" cy="0"/>
+              </a:xfrm>
+              <a:prstGeom prst="line">
+                <a:avLst/>
+              </a:prstGeom>
+              <a:ln>
+                <a:solidFill>
+                  <a:schemeClr val="accent2"/>
+                </a:solidFill>
+              </a:ln>
+            </p:spPr>
+            <p:style>
+              <a:lnRef idx="2">
+                <a:schemeClr val="accent1"/>
+              </a:lnRef>
+              <a:fillRef idx="0">
+                <a:schemeClr val="accent1"/>
+              </a:fillRef>
+              <a:effectRef idx="1">
+                <a:schemeClr val="accent1"/>
+              </a:effectRef>
+              <a:fontRef idx="minor">
+                <a:schemeClr val="tx1"/>
+              </a:fontRef>
+            </p:style>
+          </p:cxnSp>
+        </p:grpSp>
         <p:cxnSp>
           <p:nvCxnSpPr>
-            <p:cNvPr id="12" name="Straight Connector 11"/>
-            <p:cNvCxnSpPr/>
+            <p:cNvPr id="16" name="Straight Connector 15"/>
+            <p:cNvCxnSpPr>
+              <a:endCxn id="20" idx="0"/>
+            </p:cNvCxnSpPr>
             <p:nvPr/>
           </p:nvCxnSpPr>
           <p:spPr>
             <a:xfrm>
-              <a:off x="2931795" y="1340597"/>
-              <a:ext cx="630042" cy="0"/>
+              <a:off x="2356104" y="3266889"/>
+              <a:ext cx="2094919" cy="728573"/>
             </a:xfrm>
             <a:prstGeom prst="line">
               <a:avLst/>
@@ -4941,14 +5202,16 @@
         </p:cxnSp>
         <p:cxnSp>
           <p:nvCxnSpPr>
-            <p:cNvPr id="13" name="Straight Connector 12"/>
-            <p:cNvCxnSpPr/>
+            <p:cNvPr id="17" name="Straight Connector 16"/>
+            <p:cNvCxnSpPr>
+              <a:endCxn id="20" idx="0"/>
+            </p:cNvCxnSpPr>
             <p:nvPr/>
           </p:nvCxnSpPr>
           <p:spPr>
             <a:xfrm>
-              <a:off x="4250193" y="1340597"/>
-              <a:ext cx="520695" cy="0"/>
+              <a:off x="3651081" y="3266889"/>
+              <a:ext cx="799942" cy="728573"/>
             </a:xfrm>
             <a:prstGeom prst="line">
               <a:avLst/>
@@ -4976,14 +5239,16 @@
         </p:cxnSp>
         <p:cxnSp>
           <p:nvCxnSpPr>
-            <p:cNvPr id="14" name="Straight Connector 13"/>
-            <p:cNvCxnSpPr/>
+            <p:cNvPr id="18" name="Straight Connector 17"/>
+            <p:cNvCxnSpPr>
+              <a:endCxn id="20" idx="0"/>
+            </p:cNvCxnSpPr>
             <p:nvPr/>
           </p:nvCxnSpPr>
           <p:spPr>
-            <a:xfrm>
-              <a:off x="5390976" y="1340597"/>
-              <a:ext cx="520695" cy="0"/>
+            <a:xfrm flipH="1">
+              <a:off x="4451023" y="3266889"/>
+              <a:ext cx="194153" cy="728573"/>
             </a:xfrm>
             <a:prstGeom prst="line">
               <a:avLst/>
@@ -5011,14 +5276,16 @@
         </p:cxnSp>
         <p:cxnSp>
           <p:nvCxnSpPr>
-            <p:cNvPr id="15" name="Straight Connector 14"/>
-            <p:cNvCxnSpPr/>
+            <p:cNvPr id="19" name="Straight Connector 18"/>
+            <p:cNvCxnSpPr>
+              <a:endCxn id="20" idx="0"/>
+            </p:cNvCxnSpPr>
             <p:nvPr/>
           </p:nvCxnSpPr>
           <p:spPr>
-            <a:xfrm>
-              <a:off x="6368330" y="1340597"/>
-              <a:ext cx="1122997" cy="0"/>
+            <a:xfrm flipH="1">
+              <a:off x="4451023" y="3266889"/>
+              <a:ext cx="1391475" cy="728573"/>
             </a:xfrm>
             <a:prstGeom prst="line">
               <a:avLst/>
@@ -5044,563 +5311,542 @@
             </a:fontRef>
           </p:style>
         </p:cxnSp>
+        <p:sp>
+          <p:nvSpPr>
+            <p:cNvPr id="20" name="TextBox 19"/>
+            <p:cNvSpPr txBox="1"/>
+            <p:nvPr/>
+          </p:nvSpPr>
+          <p:spPr>
+            <a:xfrm>
+              <a:off x="3812942" y="3995462"/>
+              <a:ext cx="1276161" cy="369332"/>
+            </a:xfrm>
+            <a:prstGeom prst="rect">
+              <a:avLst/>
+            </a:prstGeom>
+            <a:noFill/>
+          </p:spPr>
+          <p:txBody>
+            <a:bodyPr wrap="none" rtlCol="0">
+              <a:spAutoFit/>
+            </a:bodyPr>
+            <a:lstStyle/>
+            <a:p>
+              <a:r>
+                <a:rPr lang="en-US" dirty="0" smtClean="0"/>
+                <a:t>MD5 Hash2</a:t>
+              </a:r>
+              <a:endParaRPr lang="en-US" dirty="0"/>
+            </a:p>
+          </p:txBody>
+        </p:sp>
+        <p:cxnSp>
+          <p:nvCxnSpPr>
+            <p:cNvPr id="22" name="Straight Arrow Connector 21"/>
+            <p:cNvCxnSpPr/>
+            <p:nvPr/>
+          </p:nvCxnSpPr>
+          <p:spPr>
+            <a:xfrm>
+              <a:off x="7221814" y="3266889"/>
+              <a:ext cx="0" cy="728573"/>
+            </a:xfrm>
+            <a:prstGeom prst="straightConnector1">
+              <a:avLst/>
+            </a:prstGeom>
+            <a:ln>
+              <a:solidFill>
+                <a:schemeClr val="accent2"/>
+              </a:solidFill>
+              <a:prstDash val="sysDash"/>
+              <a:tailEnd type="arrow"/>
+            </a:ln>
+          </p:spPr>
+          <p:style>
+            <a:lnRef idx="2">
+              <a:schemeClr val="accent1"/>
+            </a:lnRef>
+            <a:fillRef idx="0">
+              <a:schemeClr val="accent1"/>
+            </a:fillRef>
+            <a:effectRef idx="1">
+              <a:schemeClr val="accent1"/>
+            </a:effectRef>
+            <a:fontRef idx="minor">
+              <a:schemeClr val="tx1"/>
+            </a:fontRef>
+          </p:style>
+        </p:cxnSp>
+        <p:cxnSp>
+          <p:nvCxnSpPr>
+            <p:cNvPr id="24" name="Straight Arrow Connector 23"/>
+            <p:cNvCxnSpPr/>
+            <p:nvPr/>
+          </p:nvCxnSpPr>
+          <p:spPr>
+            <a:xfrm>
+              <a:off x="5242041" y="4219999"/>
+              <a:ext cx="1319849" cy="0"/>
+            </a:xfrm>
+            <a:prstGeom prst="straightConnector1">
+              <a:avLst/>
+            </a:prstGeom>
+            <a:ln>
+              <a:solidFill>
+                <a:schemeClr val="accent2"/>
+              </a:solidFill>
+              <a:prstDash val="sysDash"/>
+              <a:tailEnd type="arrow"/>
+            </a:ln>
+          </p:spPr>
+          <p:style>
+            <a:lnRef idx="2">
+              <a:schemeClr val="accent1"/>
+            </a:lnRef>
+            <a:fillRef idx="0">
+              <a:schemeClr val="accent1"/>
+            </a:fillRef>
+            <a:effectRef idx="1">
+              <a:schemeClr val="accent1"/>
+            </a:effectRef>
+            <a:fontRef idx="minor">
+              <a:schemeClr val="tx1"/>
+            </a:fontRef>
+          </p:style>
+        </p:cxnSp>
+        <p:sp>
+          <p:nvSpPr>
+            <p:cNvPr id="25" name="TextBox 24"/>
+            <p:cNvSpPr txBox="1"/>
+            <p:nvPr/>
+          </p:nvSpPr>
+          <p:spPr>
+            <a:xfrm>
+              <a:off x="6682657" y="4035333"/>
+              <a:ext cx="1041045" cy="369332"/>
+            </a:xfrm>
+            <a:prstGeom prst="rect">
+              <a:avLst/>
+            </a:prstGeom>
+            <a:noFill/>
+          </p:spPr>
+          <p:txBody>
+            <a:bodyPr wrap="none" rtlCol="0">
+              <a:spAutoFit/>
+            </a:bodyPr>
+            <a:lstStyle/>
+            <a:p>
+              <a:r>
+                <a:rPr lang="en-US" dirty="0" smtClean="0"/>
+                <a:t>Compare</a:t>
+              </a:r>
+              <a:endParaRPr lang="en-US" dirty="0"/>
+            </a:p>
+          </p:txBody>
+        </p:sp>
+        <p:cxnSp>
+          <p:nvCxnSpPr>
+            <p:cNvPr id="30" name="Straight Arrow Connector 29"/>
+            <p:cNvCxnSpPr>
+              <a:stCxn id="25" idx="2"/>
+            </p:cNvCxnSpPr>
+            <p:nvPr/>
+          </p:nvCxnSpPr>
+          <p:spPr>
+            <a:xfrm flipH="1">
+              <a:off x="6404784" y="4404665"/>
+              <a:ext cx="798396" cy="1085450"/>
+            </a:xfrm>
+            <a:prstGeom prst="straightConnector1">
+              <a:avLst/>
+            </a:prstGeom>
+            <a:ln>
+              <a:solidFill>
+                <a:srgbClr val="008000"/>
+              </a:solidFill>
+              <a:tailEnd type="arrow"/>
+            </a:ln>
+          </p:spPr>
+          <p:style>
+            <a:lnRef idx="2">
+              <a:schemeClr val="accent1"/>
+            </a:lnRef>
+            <a:fillRef idx="0">
+              <a:schemeClr val="accent1"/>
+            </a:fillRef>
+            <a:effectRef idx="1">
+              <a:schemeClr val="accent1"/>
+            </a:effectRef>
+            <a:fontRef idx="minor">
+              <a:schemeClr val="tx1"/>
+            </a:fontRef>
+          </p:style>
+        </p:cxnSp>
+        <p:cxnSp>
+          <p:nvCxnSpPr>
+            <p:cNvPr id="32" name="Straight Arrow Connector 31"/>
+            <p:cNvCxnSpPr>
+              <a:stCxn id="25" idx="2"/>
+            </p:cNvCxnSpPr>
+            <p:nvPr/>
+          </p:nvCxnSpPr>
+          <p:spPr>
+            <a:xfrm>
+              <a:off x="7203180" y="4404665"/>
+              <a:ext cx="819681" cy="1085450"/>
+            </a:xfrm>
+            <a:prstGeom prst="straightConnector1">
+              <a:avLst/>
+            </a:prstGeom>
+            <a:ln>
+              <a:solidFill>
+                <a:srgbClr val="FF0000"/>
+              </a:solidFill>
+              <a:tailEnd type="arrow"/>
+            </a:ln>
+          </p:spPr>
+          <p:style>
+            <a:lnRef idx="2">
+              <a:schemeClr val="accent1"/>
+            </a:lnRef>
+            <a:fillRef idx="0">
+              <a:schemeClr val="accent1"/>
+            </a:fillRef>
+            <a:effectRef idx="1">
+              <a:schemeClr val="accent1"/>
+            </a:effectRef>
+            <a:fontRef idx="minor">
+              <a:schemeClr val="tx1"/>
+            </a:fontRef>
+          </p:style>
+        </p:cxnSp>
+        <p:sp>
+          <p:nvSpPr>
+            <p:cNvPr id="33" name="TextBox 32"/>
+            <p:cNvSpPr txBox="1"/>
+            <p:nvPr/>
+          </p:nvSpPr>
+          <p:spPr>
+            <a:xfrm>
+              <a:off x="7650803" y="4583225"/>
+              <a:ext cx="374810" cy="369332"/>
+            </a:xfrm>
+            <a:prstGeom prst="rect">
+              <a:avLst/>
+            </a:prstGeom>
+            <a:noFill/>
+          </p:spPr>
+          <p:txBody>
+            <a:bodyPr wrap="none" rtlCol="0">
+              <a:spAutoFit/>
+            </a:bodyPr>
+            <a:lstStyle/>
+            <a:p>
+              <a:r>
+                <a:rPr lang="en-US" dirty="0" smtClean="0"/>
+                <a:t>!=</a:t>
+              </a:r>
+              <a:endParaRPr lang="en-US" dirty="0"/>
+            </a:p>
+          </p:txBody>
+        </p:sp>
+        <p:sp>
+          <p:nvSpPr>
+            <p:cNvPr id="34" name="TextBox 33"/>
+            <p:cNvSpPr txBox="1"/>
+            <p:nvPr/>
+          </p:nvSpPr>
+          <p:spPr>
+            <a:xfrm>
+              <a:off x="6307847" y="4571631"/>
+              <a:ext cx="414597" cy="369332"/>
+            </a:xfrm>
+            <a:prstGeom prst="rect">
+              <a:avLst/>
+            </a:prstGeom>
+            <a:noFill/>
+          </p:spPr>
+          <p:txBody>
+            <a:bodyPr wrap="none" rtlCol="0">
+              <a:spAutoFit/>
+            </a:bodyPr>
+            <a:lstStyle/>
+            <a:p>
+              <a:r>
+                <a:rPr lang="en-US" dirty="0"/>
+                <a:t>=</a:t>
+              </a:r>
+              <a:r>
+                <a:rPr lang="en-US" dirty="0" smtClean="0"/>
+                <a:t>=</a:t>
+              </a:r>
+              <a:endParaRPr lang="en-US" dirty="0"/>
+            </a:p>
+          </p:txBody>
+        </p:sp>
+        <p:sp>
+          <p:nvSpPr>
+            <p:cNvPr id="35" name="TextBox 34"/>
+            <p:cNvSpPr txBox="1"/>
+            <p:nvPr/>
+          </p:nvSpPr>
+          <p:spPr>
+            <a:xfrm>
+              <a:off x="5606485" y="5602184"/>
+              <a:ext cx="1596598" cy="369332"/>
+            </a:xfrm>
+            <a:prstGeom prst="rect">
+              <a:avLst/>
+            </a:prstGeom>
+            <a:noFill/>
+          </p:spPr>
+          <p:txBody>
+            <a:bodyPr wrap="none" rtlCol="0">
+              <a:spAutoFit/>
+            </a:bodyPr>
+            <a:lstStyle/>
+            <a:p>
+              <a:r>
+                <a:rPr lang="en-US" dirty="0" smtClean="0"/>
+                <a:t>Valid invitation</a:t>
+              </a:r>
+            </a:p>
+          </p:txBody>
+        </p:sp>
       </p:grpSp>
-      <p:cxnSp>
-        <p:nvCxnSpPr>
-          <p:cNvPr id="16" name="Straight Connector 15"/>
-          <p:cNvCxnSpPr>
-            <a:endCxn id="20" idx="0"/>
-          </p:cNvCxnSpPr>
+      <p:grpSp>
+        <p:nvGrpSpPr>
+          <p:cNvPr id="2" name="Group 1"/>
+          <p:cNvGrpSpPr/>
           <p:nvPr/>
-        </p:nvCxnSpPr>
-        <p:spPr>
+        </p:nvGrpSpPr>
+        <p:grpSpPr>
           <a:xfrm>
-            <a:off x="2356104" y="3266889"/>
-            <a:ext cx="2094919" cy="728573"/>
+            <a:off x="601972" y="1642413"/>
+            <a:ext cx="8524034" cy="4606102"/>
+            <a:chOff x="601972" y="1642413"/>
+            <a:chExt cx="8524034" cy="4606102"/>
           </a:xfrm>
-          <a:prstGeom prst="line">
-            <a:avLst/>
-          </a:prstGeom>
-          <a:ln>
-            <a:solidFill>
-              <a:schemeClr val="accent2"/>
-            </a:solidFill>
-          </a:ln>
-        </p:spPr>
-        <p:style>
-          <a:lnRef idx="2">
-            <a:schemeClr val="accent1"/>
-          </a:lnRef>
-          <a:fillRef idx="0">
-            <a:schemeClr val="accent1"/>
-          </a:fillRef>
-          <a:effectRef idx="1">
-            <a:schemeClr val="accent1"/>
-          </a:effectRef>
-          <a:fontRef idx="minor">
-            <a:schemeClr val="tx1"/>
-          </a:fontRef>
-        </p:style>
-      </p:cxnSp>
-      <p:cxnSp>
-        <p:nvCxnSpPr>
-          <p:cNvPr id="17" name="Straight Connector 16"/>
-          <p:cNvCxnSpPr>
-            <a:endCxn id="20" idx="0"/>
-          </p:cNvCxnSpPr>
-          <p:nvPr/>
-        </p:nvCxnSpPr>
-        <p:spPr>
-          <a:xfrm>
-            <a:off x="3651081" y="3266889"/>
-            <a:ext cx="799942" cy="728573"/>
-          </a:xfrm>
-          <a:prstGeom prst="line">
-            <a:avLst/>
-          </a:prstGeom>
-          <a:ln>
-            <a:solidFill>
-              <a:schemeClr val="accent2"/>
-            </a:solidFill>
-          </a:ln>
-        </p:spPr>
-        <p:style>
-          <a:lnRef idx="2">
-            <a:schemeClr val="accent1"/>
-          </a:lnRef>
-          <a:fillRef idx="0">
-            <a:schemeClr val="accent1"/>
-          </a:fillRef>
-          <a:effectRef idx="1">
-            <a:schemeClr val="accent1"/>
-          </a:effectRef>
-          <a:fontRef idx="minor">
-            <a:schemeClr val="tx1"/>
-          </a:fontRef>
-        </p:style>
-      </p:cxnSp>
-      <p:cxnSp>
-        <p:nvCxnSpPr>
-          <p:cNvPr id="18" name="Straight Connector 17"/>
-          <p:cNvCxnSpPr>
-            <a:endCxn id="20" idx="0"/>
-          </p:cNvCxnSpPr>
-          <p:nvPr/>
-        </p:nvCxnSpPr>
-        <p:spPr>
-          <a:xfrm flipH="1">
-            <a:off x="4451023" y="3266889"/>
-            <a:ext cx="194153" cy="728573"/>
-          </a:xfrm>
-          <a:prstGeom prst="line">
-            <a:avLst/>
-          </a:prstGeom>
-          <a:ln>
-            <a:solidFill>
-              <a:schemeClr val="accent2"/>
-            </a:solidFill>
-          </a:ln>
-        </p:spPr>
-        <p:style>
-          <a:lnRef idx="2">
-            <a:schemeClr val="accent1"/>
-          </a:lnRef>
-          <a:fillRef idx="0">
-            <a:schemeClr val="accent1"/>
-          </a:fillRef>
-          <a:effectRef idx="1">
-            <a:schemeClr val="accent1"/>
-          </a:effectRef>
-          <a:fontRef idx="minor">
-            <a:schemeClr val="tx1"/>
-          </a:fontRef>
-        </p:style>
-      </p:cxnSp>
-      <p:cxnSp>
-        <p:nvCxnSpPr>
-          <p:cNvPr id="19" name="Straight Connector 18"/>
-          <p:cNvCxnSpPr>
-            <a:endCxn id="20" idx="0"/>
-          </p:cNvCxnSpPr>
-          <p:nvPr/>
-        </p:nvCxnSpPr>
-        <p:spPr>
-          <a:xfrm flipH="1">
-            <a:off x="4451023" y="3266889"/>
-            <a:ext cx="1391475" cy="728573"/>
-          </a:xfrm>
-          <a:prstGeom prst="line">
-            <a:avLst/>
-          </a:prstGeom>
-          <a:ln>
-            <a:solidFill>
-              <a:schemeClr val="accent2"/>
-            </a:solidFill>
-          </a:ln>
-        </p:spPr>
-        <p:style>
-          <a:lnRef idx="2">
-            <a:schemeClr val="accent1"/>
-          </a:lnRef>
-          <a:fillRef idx="0">
-            <a:schemeClr val="accent1"/>
-          </a:fillRef>
-          <a:effectRef idx="1">
-            <a:schemeClr val="accent1"/>
-          </a:effectRef>
-          <a:fontRef idx="minor">
-            <a:schemeClr val="tx1"/>
-          </a:fontRef>
-        </p:style>
-      </p:cxnSp>
-      <p:sp>
-        <p:nvSpPr>
-          <p:cNvPr id="20" name="TextBox 19"/>
-          <p:cNvSpPr txBox="1"/>
-          <p:nvPr/>
-        </p:nvSpPr>
-        <p:spPr>
-          <a:xfrm>
-            <a:off x="3812942" y="3995462"/>
-            <a:ext cx="1276161" cy="369332"/>
-          </a:xfrm>
-          <a:prstGeom prst="rect">
-            <a:avLst/>
-          </a:prstGeom>
-          <a:noFill/>
-        </p:spPr>
-        <p:txBody>
-          <a:bodyPr wrap="none" rtlCol="0">
-            <a:spAutoFit/>
-          </a:bodyPr>
-          <a:lstStyle/>
-          <a:p>
-            <a:r>
-              <a:rPr lang="en-US" dirty="0" smtClean="0"/>
-              <a:t>MD5 Hash2</a:t>
-            </a:r>
-            <a:endParaRPr lang="en-US" dirty="0"/>
-          </a:p>
-        </p:txBody>
-      </p:sp>
-      <p:cxnSp>
-        <p:nvCxnSpPr>
-          <p:cNvPr id="22" name="Straight Arrow Connector 21"/>
-          <p:cNvCxnSpPr/>
-          <p:nvPr/>
-        </p:nvCxnSpPr>
-        <p:spPr>
-          <a:xfrm>
-            <a:off x="7221814" y="3266889"/>
-            <a:ext cx="0" cy="728573"/>
-          </a:xfrm>
-          <a:prstGeom prst="straightConnector1">
-            <a:avLst/>
-          </a:prstGeom>
-          <a:ln>
-            <a:solidFill>
-              <a:schemeClr val="accent2"/>
-            </a:solidFill>
-            <a:prstDash val="sysDash"/>
-            <a:tailEnd type="arrow"/>
-          </a:ln>
-        </p:spPr>
-        <p:style>
-          <a:lnRef idx="2">
-            <a:schemeClr val="accent1"/>
-          </a:lnRef>
-          <a:fillRef idx="0">
-            <a:schemeClr val="accent1"/>
-          </a:fillRef>
-          <a:effectRef idx="1">
-            <a:schemeClr val="accent1"/>
-          </a:effectRef>
-          <a:fontRef idx="minor">
-            <a:schemeClr val="tx1"/>
-          </a:fontRef>
-        </p:style>
-      </p:cxnSp>
-      <p:cxnSp>
-        <p:nvCxnSpPr>
-          <p:cNvPr id="24" name="Straight Arrow Connector 23"/>
-          <p:cNvCxnSpPr/>
-          <p:nvPr/>
-        </p:nvCxnSpPr>
-        <p:spPr>
-          <a:xfrm>
-            <a:off x="5242041" y="4219999"/>
-            <a:ext cx="1319849" cy="0"/>
-          </a:xfrm>
-          <a:prstGeom prst="straightConnector1">
-            <a:avLst/>
-          </a:prstGeom>
-          <a:ln>
-            <a:solidFill>
-              <a:schemeClr val="accent2"/>
-            </a:solidFill>
-            <a:prstDash val="sysDash"/>
-            <a:tailEnd type="arrow"/>
-          </a:ln>
-        </p:spPr>
-        <p:style>
-          <a:lnRef idx="2">
-            <a:schemeClr val="accent1"/>
-          </a:lnRef>
-          <a:fillRef idx="0">
-            <a:schemeClr val="accent1"/>
-          </a:fillRef>
-          <a:effectRef idx="1">
-            <a:schemeClr val="accent1"/>
-          </a:effectRef>
-          <a:fontRef idx="minor">
-            <a:schemeClr val="tx1"/>
-          </a:fontRef>
-        </p:style>
-      </p:cxnSp>
-      <p:sp>
-        <p:nvSpPr>
-          <p:cNvPr id="25" name="TextBox 24"/>
-          <p:cNvSpPr txBox="1"/>
-          <p:nvPr/>
-        </p:nvSpPr>
-        <p:spPr>
-          <a:xfrm>
-            <a:off x="6682657" y="4035333"/>
-            <a:ext cx="1041045" cy="369332"/>
-          </a:xfrm>
-          <a:prstGeom prst="rect">
-            <a:avLst/>
-          </a:prstGeom>
-          <a:noFill/>
-        </p:spPr>
-        <p:txBody>
-          <a:bodyPr wrap="none" rtlCol="0">
-            <a:spAutoFit/>
-          </a:bodyPr>
-          <a:lstStyle/>
-          <a:p>
-            <a:r>
-              <a:rPr lang="en-US" dirty="0" smtClean="0"/>
-              <a:t>Compare</a:t>
-            </a:r>
-            <a:endParaRPr lang="en-US" dirty="0"/>
-          </a:p>
-        </p:txBody>
-      </p:sp>
-      <p:sp>
-        <p:nvSpPr>
-          <p:cNvPr id="28" name="TextBox 27"/>
-          <p:cNvSpPr txBox="1"/>
-          <p:nvPr/>
-        </p:nvSpPr>
-        <p:spPr>
-          <a:xfrm>
-            <a:off x="2974930" y="230832"/>
-            <a:ext cx="3506088" cy="461665"/>
-          </a:xfrm>
-          <a:prstGeom prst="rect">
-            <a:avLst/>
-          </a:prstGeom>
-          <a:noFill/>
-        </p:spPr>
-        <p:txBody>
-          <a:bodyPr wrap="none" rtlCol="0">
-            <a:spAutoFit/>
-          </a:bodyPr>
-          <a:lstStyle/>
-          <a:p>
-            <a:r>
-              <a:rPr lang="en-US" sz="2400" dirty="0" smtClean="0"/>
-              <a:t>Decryption &amp; Data Validity</a:t>
-            </a:r>
-            <a:endParaRPr lang="en-US" sz="2400" dirty="0"/>
-          </a:p>
-        </p:txBody>
-      </p:sp>
-      <p:cxnSp>
-        <p:nvCxnSpPr>
-          <p:cNvPr id="30" name="Straight Arrow Connector 29"/>
-          <p:cNvCxnSpPr>
-            <a:stCxn id="25" idx="2"/>
-          </p:cNvCxnSpPr>
-          <p:nvPr/>
-        </p:nvCxnSpPr>
-        <p:spPr>
-          <a:xfrm flipH="1">
-            <a:off x="6404784" y="4404665"/>
-            <a:ext cx="798396" cy="1085450"/>
-          </a:xfrm>
-          <a:prstGeom prst="straightConnector1">
-            <a:avLst/>
-          </a:prstGeom>
-          <a:ln>
-            <a:solidFill>
-              <a:srgbClr val="008000"/>
-            </a:solidFill>
-            <a:tailEnd type="arrow"/>
-          </a:ln>
-        </p:spPr>
-        <p:style>
-          <a:lnRef idx="2">
-            <a:schemeClr val="accent1"/>
-          </a:lnRef>
-          <a:fillRef idx="0">
-            <a:schemeClr val="accent1"/>
-          </a:fillRef>
-          <a:effectRef idx="1">
-            <a:schemeClr val="accent1"/>
-          </a:effectRef>
-          <a:fontRef idx="minor">
-            <a:schemeClr val="tx1"/>
-          </a:fontRef>
-        </p:style>
-      </p:cxnSp>
-      <p:cxnSp>
-        <p:nvCxnSpPr>
-          <p:cNvPr id="32" name="Straight Arrow Connector 31"/>
-          <p:cNvCxnSpPr>
-            <a:stCxn id="25" idx="2"/>
-          </p:cNvCxnSpPr>
-          <p:nvPr/>
-        </p:nvCxnSpPr>
-        <p:spPr>
-          <a:xfrm>
-            <a:off x="7203180" y="4404665"/>
-            <a:ext cx="819681" cy="1085450"/>
-          </a:xfrm>
-          <a:prstGeom prst="straightConnector1">
-            <a:avLst/>
-          </a:prstGeom>
-          <a:ln>
-            <a:solidFill>
-              <a:srgbClr val="FF0000"/>
-            </a:solidFill>
-            <a:tailEnd type="arrow"/>
-          </a:ln>
-        </p:spPr>
-        <p:style>
-          <a:lnRef idx="2">
-            <a:schemeClr val="accent1"/>
-          </a:lnRef>
-          <a:fillRef idx="0">
-            <a:schemeClr val="accent1"/>
-          </a:fillRef>
-          <a:effectRef idx="1">
-            <a:schemeClr val="accent1"/>
-          </a:effectRef>
-          <a:fontRef idx="minor">
-            <a:schemeClr val="tx1"/>
-          </a:fontRef>
-        </p:style>
-      </p:cxnSp>
-      <p:sp>
-        <p:nvSpPr>
-          <p:cNvPr id="33" name="TextBox 32"/>
-          <p:cNvSpPr txBox="1"/>
-          <p:nvPr/>
-        </p:nvSpPr>
-        <p:spPr>
-          <a:xfrm>
-            <a:off x="7650803" y="4583225"/>
-            <a:ext cx="374810" cy="369332"/>
-          </a:xfrm>
-          <a:prstGeom prst="rect">
-            <a:avLst/>
-          </a:prstGeom>
-          <a:noFill/>
-        </p:spPr>
-        <p:txBody>
-          <a:bodyPr wrap="none" rtlCol="0">
-            <a:spAutoFit/>
-          </a:bodyPr>
-          <a:lstStyle/>
-          <a:p>
-            <a:r>
-              <a:rPr lang="en-US" dirty="0" smtClean="0"/>
-              <a:t>!=</a:t>
-            </a:r>
-            <a:endParaRPr lang="en-US" dirty="0"/>
-          </a:p>
-        </p:txBody>
-      </p:sp>
-      <p:sp>
-        <p:nvSpPr>
-          <p:cNvPr id="34" name="TextBox 33"/>
-          <p:cNvSpPr txBox="1"/>
-          <p:nvPr/>
-        </p:nvSpPr>
-        <p:spPr>
-          <a:xfrm>
-            <a:off x="6307847" y="4571631"/>
-            <a:ext cx="414597" cy="369332"/>
-          </a:xfrm>
-          <a:prstGeom prst="rect">
-            <a:avLst/>
-          </a:prstGeom>
-          <a:noFill/>
-        </p:spPr>
-        <p:txBody>
-          <a:bodyPr wrap="none" rtlCol="0">
-            <a:spAutoFit/>
-          </a:bodyPr>
-          <a:lstStyle/>
-          <a:p>
-            <a:r>
-              <a:rPr lang="en-US" dirty="0"/>
-              <a:t>=</a:t>
-            </a:r>
-            <a:r>
-              <a:rPr lang="en-US" dirty="0" smtClean="0"/>
-              <a:t>=</a:t>
-            </a:r>
-            <a:endParaRPr lang="en-US" dirty="0"/>
-          </a:p>
-        </p:txBody>
-      </p:sp>
-      <p:sp>
-        <p:nvSpPr>
-          <p:cNvPr id="35" name="TextBox 34"/>
-          <p:cNvSpPr txBox="1"/>
-          <p:nvPr/>
-        </p:nvSpPr>
-        <p:spPr>
-          <a:xfrm>
-            <a:off x="5606485" y="5602184"/>
-            <a:ext cx="1596598" cy="369332"/>
-          </a:xfrm>
-          <a:prstGeom prst="rect">
-            <a:avLst/>
-          </a:prstGeom>
-          <a:noFill/>
-        </p:spPr>
-        <p:txBody>
-          <a:bodyPr wrap="none" rtlCol="0">
-            <a:spAutoFit/>
-          </a:bodyPr>
-          <a:lstStyle/>
-          <a:p>
-            <a:r>
-              <a:rPr lang="en-US" dirty="0" smtClean="0"/>
-              <a:t>Valid invitation</a:t>
-            </a:r>
-          </a:p>
-        </p:txBody>
-      </p:sp>
-      <p:sp>
-        <p:nvSpPr>
-          <p:cNvPr id="36" name="TextBox 35"/>
-          <p:cNvSpPr txBox="1"/>
-          <p:nvPr/>
-        </p:nvSpPr>
-        <p:spPr>
-          <a:xfrm>
-            <a:off x="7505062" y="5602184"/>
-            <a:ext cx="1620944" cy="646331"/>
-          </a:xfrm>
-          <a:prstGeom prst="rect">
-            <a:avLst/>
-          </a:prstGeom>
-          <a:noFill/>
-        </p:spPr>
-        <p:txBody>
-          <a:bodyPr wrap="none" rtlCol="0">
-            <a:spAutoFit/>
-          </a:bodyPr>
-          <a:lstStyle/>
-          <a:p>
-            <a:pPr algn="ctr"/>
-            <a:r>
-              <a:rPr lang="en-US" dirty="0" smtClean="0"/>
-              <a:t>Corrupt/Invalid</a:t>
-            </a:r>
-          </a:p>
-          <a:p>
-            <a:pPr algn="ctr"/>
-            <a:r>
-              <a:rPr lang="en-US" dirty="0" smtClean="0"/>
-              <a:t>data</a:t>
-            </a:r>
-          </a:p>
-        </p:txBody>
-      </p:sp>
-      <p:cxnSp>
-        <p:nvCxnSpPr>
-          <p:cNvPr id="39" name="Elbow Connector 38"/>
-          <p:cNvCxnSpPr>
-            <a:stCxn id="6" idx="3"/>
-          </p:cNvCxnSpPr>
-          <p:nvPr/>
-        </p:nvCxnSpPr>
-        <p:spPr>
-          <a:xfrm>
-            <a:off x="7478326" y="2221315"/>
-            <a:ext cx="837209" cy="3268801"/>
-          </a:xfrm>
-          <a:prstGeom prst="bentConnector2">
-            <a:avLst/>
-          </a:prstGeom>
-          <a:ln>
-            <a:solidFill>
-              <a:srgbClr val="FF0000"/>
-            </a:solidFill>
-            <a:tailEnd type="arrow"/>
-          </a:ln>
-        </p:spPr>
-        <p:style>
-          <a:lnRef idx="2">
-            <a:schemeClr val="accent1"/>
-          </a:lnRef>
-          <a:fillRef idx="0">
-            <a:schemeClr val="accent1"/>
-          </a:fillRef>
-          <a:effectRef idx="1">
-            <a:schemeClr val="accent1"/>
-          </a:effectRef>
-          <a:fontRef idx="minor">
-            <a:schemeClr val="tx1"/>
-          </a:fontRef>
-        </p:style>
-      </p:cxnSp>
+        </p:grpSpPr>
+        <p:cxnSp>
+          <p:nvCxnSpPr>
+            <p:cNvPr id="5" name="Straight Arrow Connector 4"/>
+            <p:cNvCxnSpPr/>
+            <p:nvPr/>
+          </p:nvCxnSpPr>
+          <p:spPr>
+            <a:xfrm>
+              <a:off x="4009352" y="1642413"/>
+              <a:ext cx="12452" cy="971264"/>
+            </a:xfrm>
+            <a:prstGeom prst="straightConnector1">
+              <a:avLst/>
+            </a:prstGeom>
+            <a:ln w="38100" cmpd="sng">
+              <a:solidFill>
+                <a:srgbClr val="9BBB59"/>
+              </a:solidFill>
+              <a:tailEnd type="arrow"/>
+            </a:ln>
+          </p:spPr>
+          <p:style>
+            <a:lnRef idx="2">
+              <a:schemeClr val="accent1"/>
+            </a:lnRef>
+            <a:fillRef idx="0">
+              <a:schemeClr val="accent1"/>
+            </a:fillRef>
+            <a:effectRef idx="1">
+              <a:schemeClr val="accent1"/>
+            </a:effectRef>
+            <a:fontRef idx="minor">
+              <a:schemeClr val="tx1"/>
+            </a:fontRef>
+          </p:style>
+        </p:cxnSp>
+        <p:sp>
+          <p:nvSpPr>
+            <p:cNvPr id="6" name="TextBox 5"/>
+            <p:cNvSpPr txBox="1"/>
+            <p:nvPr/>
+          </p:nvSpPr>
+          <p:spPr>
+            <a:xfrm>
+              <a:off x="4351110" y="2036649"/>
+              <a:ext cx="3127216" cy="369332"/>
+            </a:xfrm>
+            <a:prstGeom prst="rect">
+              <a:avLst/>
+            </a:prstGeom>
+            <a:noFill/>
+          </p:spPr>
+          <p:txBody>
+            <a:bodyPr wrap="none" rtlCol="0">
+              <a:spAutoFit/>
+            </a:bodyPr>
+            <a:lstStyle/>
+            <a:p>
+              <a:r>
+                <a:rPr lang="en-US" dirty="0" smtClean="0"/>
+                <a:t>DECRYPT using AES (secret key)</a:t>
+              </a:r>
+              <a:endParaRPr lang="en-US" dirty="0"/>
+            </a:p>
+          </p:txBody>
+        </p:sp>
+        <p:sp>
+          <p:nvSpPr>
+            <p:cNvPr id="7" name="TextBox 6"/>
+            <p:cNvSpPr txBox="1"/>
+            <p:nvPr/>
+          </p:nvSpPr>
+          <p:spPr>
+            <a:xfrm>
+              <a:off x="4337468" y="1642413"/>
+              <a:ext cx="2244124" cy="369332"/>
+            </a:xfrm>
+            <a:prstGeom prst="rect">
+              <a:avLst/>
+            </a:prstGeom>
+            <a:noFill/>
+          </p:spPr>
+          <p:txBody>
+            <a:bodyPr wrap="none" rtlCol="0">
+              <a:spAutoFit/>
+            </a:bodyPr>
+            <a:lstStyle/>
+            <a:p>
+              <a:r>
+                <a:rPr lang="en-US" dirty="0" smtClean="0"/>
+                <a:t>DECODE using Base64</a:t>
+              </a:r>
+              <a:endParaRPr lang="en-US" dirty="0"/>
+            </a:p>
+          </p:txBody>
+        </p:sp>
+        <p:sp>
+          <p:nvSpPr>
+            <p:cNvPr id="10" name="TextBox 9"/>
+            <p:cNvSpPr txBox="1"/>
+            <p:nvPr/>
+          </p:nvSpPr>
+          <p:spPr>
+            <a:xfrm>
+              <a:off x="601972" y="2897557"/>
+              <a:ext cx="7420889" cy="369332"/>
+            </a:xfrm>
+            <a:prstGeom prst="rect">
+              <a:avLst/>
+            </a:prstGeom>
+            <a:noFill/>
+          </p:spPr>
+          <p:txBody>
+            <a:bodyPr wrap="square" rtlCol="0">
+              <a:spAutoFit/>
+            </a:bodyPr>
+            <a:lstStyle/>
+            <a:p>
+              <a:r>
+                <a:rPr lang="en-US" dirty="0" smtClean="0"/>
+                <a:t>JSON: { </a:t>
+              </a:r>
+              <a:r>
+                <a:rPr lang="en-US" dirty="0" err="1" smtClean="0"/>
+                <a:t>custID</a:t>
+              </a:r>
+              <a:r>
+                <a:rPr lang="en-US" dirty="0" smtClean="0"/>
+                <a:t>: 12345, rew1: 40%, rew2: 50%, </a:t>
+              </a:r>
+              <a:r>
+                <a:rPr lang="en-US" dirty="0" err="1" smtClean="0"/>
+                <a:t>val</a:t>
+              </a:r>
+              <a:r>
+                <a:rPr lang="en-US" dirty="0" smtClean="0"/>
+                <a:t>: 05.10.2015, hash: ……. }</a:t>
+              </a:r>
+              <a:endParaRPr lang="en-US" dirty="0"/>
+            </a:p>
+          </p:txBody>
+        </p:sp>
+        <p:sp>
+          <p:nvSpPr>
+            <p:cNvPr id="36" name="TextBox 35"/>
+            <p:cNvSpPr txBox="1"/>
+            <p:nvPr/>
+          </p:nvSpPr>
+          <p:spPr>
+            <a:xfrm>
+              <a:off x="7505062" y="5602184"/>
+              <a:ext cx="1620944" cy="646331"/>
+            </a:xfrm>
+            <a:prstGeom prst="rect">
+              <a:avLst/>
+            </a:prstGeom>
+            <a:noFill/>
+          </p:spPr>
+          <p:txBody>
+            <a:bodyPr wrap="none" rtlCol="0">
+              <a:spAutoFit/>
+            </a:bodyPr>
+            <a:lstStyle/>
+            <a:p>
+              <a:pPr algn="ctr"/>
+              <a:r>
+                <a:rPr lang="en-US" dirty="0" smtClean="0"/>
+                <a:t>Corrupt/Invalid</a:t>
+              </a:r>
+            </a:p>
+            <a:p>
+              <a:pPr algn="ctr"/>
+              <a:r>
+                <a:rPr lang="en-US" dirty="0" smtClean="0"/>
+                <a:t>data</a:t>
+              </a:r>
+            </a:p>
+          </p:txBody>
+        </p:sp>
+        <p:cxnSp>
+          <p:nvCxnSpPr>
+            <p:cNvPr id="39" name="Elbow Connector 38"/>
+            <p:cNvCxnSpPr>
+              <a:stCxn id="6" idx="3"/>
+            </p:cNvCxnSpPr>
+            <p:nvPr/>
+          </p:nvCxnSpPr>
+          <p:spPr>
+            <a:xfrm>
+              <a:off x="7478326" y="2221315"/>
+              <a:ext cx="837209" cy="3268801"/>
+            </a:xfrm>
+            <a:prstGeom prst="bentConnector2">
+              <a:avLst/>
+            </a:prstGeom>
+            <a:ln>
+              <a:solidFill>
+                <a:srgbClr val="FF0000"/>
+              </a:solidFill>
+              <a:tailEnd type="arrow"/>
+            </a:ln>
+          </p:spPr>
+          <p:style>
+            <a:lnRef idx="2">
+              <a:schemeClr val="accent1"/>
+            </a:lnRef>
+            <a:fillRef idx="0">
+              <a:schemeClr val="accent1"/>
+            </a:fillRef>
+            <a:effectRef idx="1">
+              <a:schemeClr val="accent1"/>
+            </a:effectRef>
+            <a:fontRef idx="minor">
+              <a:schemeClr val="tx1"/>
+            </a:fontRef>
+          </p:style>
+        </p:cxnSp>
+      </p:grpSp>
     </p:spTree>
     <p:extLst>
       <p:ext uri="{BB962C8B-B14F-4D97-AF65-F5344CB8AC3E}">
@@ -5611,74 +5857,126 @@
   <p:clrMapOvr>
     <a:masterClrMapping/>
   </p:clrMapOvr>
-</p:sld>
-</file>
-
-<file path=ppt/slides/slide4.xml><?xml version="1.0" encoding="utf-8"?>
-<p:sld xmlns:a="http://schemas.openxmlformats.org/drawingml/2006/main" xmlns:r="http://schemas.openxmlformats.org/officeDocument/2006/relationships" xmlns:p="http://schemas.openxmlformats.org/presentationml/2006/main">
-  <p:cSld>
-    <p:spTree>
-      <p:nvGrpSpPr>
-        <p:cNvPr id="1" name=""/>
-        <p:cNvGrpSpPr/>
-        <p:nvPr/>
-      </p:nvGrpSpPr>
-      <p:grpSpPr>
-        <a:xfrm>
-          <a:off x="0" y="0"/>
-          <a:ext cx="0" cy="0"/>
-          <a:chOff x="0" y="0"/>
-          <a:chExt cx="0" cy="0"/>
-        </a:xfrm>
-      </p:grpSpPr>
-      <p:sp>
-        <p:nvSpPr>
-          <p:cNvPr id="2" name="Title 1"/>
-          <p:cNvSpPr>
-            <a:spLocks noGrp="1"/>
-          </p:cNvSpPr>
-          <p:nvPr>
-            <p:ph type="title"/>
-          </p:nvPr>
-        </p:nvSpPr>
-        <p:spPr/>
-        <p:txBody>
-          <a:bodyPr/>
-          <a:lstStyle/>
-          <a:p>
-            <a:endParaRPr lang="en-US"/>
-          </a:p>
-        </p:txBody>
-      </p:sp>
-      <p:sp>
-        <p:nvSpPr>
-          <p:cNvPr id="3" name="Content Placeholder 2"/>
-          <p:cNvSpPr>
-            <a:spLocks noGrp="1"/>
-          </p:cNvSpPr>
-          <p:nvPr>
-            <p:ph idx="1"/>
-          </p:nvPr>
-        </p:nvSpPr>
-        <p:spPr/>
-        <p:txBody>
-          <a:bodyPr/>
-          <a:lstStyle/>
-          <a:p>
-            <a:endParaRPr lang="en-US" dirty="0"/>
-          </a:p>
-        </p:txBody>
-      </p:sp>
-    </p:spTree>
-    <p:extLst>
-      <p:ext uri="{BB962C8B-B14F-4D97-AF65-F5344CB8AC3E}">
-        <p14:creationId xmlns:p14="http://schemas.microsoft.com/office/powerpoint/2010/main" val="1901284772"/>
-      </p:ext>
-    </p:extLst>
-  </p:cSld>
-  <p:clrMapOvr>
-    <a:masterClrMapping/>
-  </p:clrMapOvr>
+  <p:timing>
+    <p:tnLst>
+      <p:par>
+        <p:cTn xmlns:p14="http://schemas.microsoft.com/office/powerpoint/2010/main" id="1" dur="indefinite" restart="never" nodeType="tmRoot">
+          <p:childTnLst>
+            <p:seq concurrent="1" nextAc="seek">
+              <p:cTn id="2" dur="indefinite" nodeType="mainSeq">
+                <p:childTnLst>
+                  <p:par>
+                    <p:cTn id="3" fill="hold">
+                      <p:stCondLst>
+                        <p:cond delay="indefinite"/>
+                      </p:stCondLst>
+                      <p:childTnLst>
+                        <p:par>
+                          <p:cTn id="4" fill="hold">
+                            <p:stCondLst>
+                              <p:cond delay="0"/>
+                            </p:stCondLst>
+                            <p:childTnLst>
+                              <p:par>
+                                <p:cTn id="5" presetID="1" presetClass="entr" presetSubtype="0" fill="hold" nodeType="clickEffect">
+                                  <p:stCondLst>
+                                    <p:cond delay="0"/>
+                                  </p:stCondLst>
+                                  <p:childTnLst>
+                                    <p:set>
+                                      <p:cBhvr>
+                                        <p:cTn id="6" dur="1" fill="hold">
+                                          <p:stCondLst>
+                                            <p:cond delay="0"/>
+                                          </p:stCondLst>
+                                        </p:cTn>
+                                        <p:tgtEl>
+                                          <p:spTgt spid="2"/>
+                                        </p:tgtEl>
+                                        <p:attrNameLst>
+                                          <p:attrName>style.visibility</p:attrName>
+                                        </p:attrNameLst>
+                                      </p:cBhvr>
+                                      <p:to>
+                                        <p:strVal val="visible"/>
+                                      </p:to>
+                                    </p:set>
+                                  </p:childTnLst>
+                                </p:cTn>
+                              </p:par>
+                            </p:childTnLst>
+                          </p:cTn>
+                        </p:par>
+                      </p:childTnLst>
+                    </p:cTn>
+                  </p:par>
+                  <p:par>
+                    <p:cTn id="7" fill="hold">
+                      <p:stCondLst>
+                        <p:cond delay="indefinite"/>
+                      </p:stCondLst>
+                      <p:childTnLst>
+                        <p:par>
+                          <p:cTn id="8" fill="hold">
+                            <p:stCondLst>
+                              <p:cond delay="0"/>
+                            </p:stCondLst>
+                            <p:childTnLst>
+                              <p:par>
+                                <p:cTn id="9" presetID="1" presetClass="entr" presetSubtype="0" fill="hold" nodeType="clickEffect">
+                                  <p:stCondLst>
+                                    <p:cond delay="0"/>
+                                  </p:stCondLst>
+                                  <p:childTnLst>
+                                    <p:set>
+                                      <p:cBhvr>
+                                        <p:cTn id="10" dur="1" fill="hold">
+                                          <p:stCondLst>
+                                            <p:cond delay="0"/>
+                                          </p:stCondLst>
+                                        </p:cTn>
+                                        <p:tgtEl>
+                                          <p:spTgt spid="3"/>
+                                        </p:tgtEl>
+                                        <p:attrNameLst>
+                                          <p:attrName>style.visibility</p:attrName>
+                                        </p:attrNameLst>
+                                      </p:cBhvr>
+                                      <p:to>
+                                        <p:strVal val="visible"/>
+                                      </p:to>
+                                    </p:set>
+                                  </p:childTnLst>
+                                </p:cTn>
+                              </p:par>
+                            </p:childTnLst>
+                          </p:cTn>
+                        </p:par>
+                      </p:childTnLst>
+                    </p:cTn>
+                  </p:par>
+                </p:childTnLst>
+              </p:cTn>
+              <p:prevCondLst>
+                <p:cond evt="onPrev" delay="0">
+                  <p:tgtEl>
+                    <p:sldTgt/>
+                  </p:tgtEl>
+                </p:cond>
+              </p:prevCondLst>
+              <p:nextCondLst>
+                <p:cond evt="onNext" delay="0">
+                  <p:tgtEl>
+                    <p:sldTgt/>
+                  </p:tgtEl>
+                </p:cond>
+              </p:nextCondLst>
+            </p:seq>
+          </p:childTnLst>
+        </p:cTn>
+      </p:par>
+    </p:tnLst>
+  </p:timing>
 </p:sld>
 </file>
 

--- a/URLInvitationProject.pptx
+++ b/URLInvitationProject.pptx
@@ -290,7 +290,7 @@
           <a:p>
             <a:fld id="{4EBC1159-05F0-854B-83A6-9EF556404007}" type="datetimeFigureOut">
               <a:rPr lang="en-US" smtClean="0"/>
-              <a:t>08/10/15</a:t>
+              <a:t>09/10/15</a:t>
             </a:fld>
             <a:endParaRPr lang="en-US"/>
           </a:p>
@@ -460,7 +460,7 @@
           <a:p>
             <a:fld id="{4EBC1159-05F0-854B-83A6-9EF556404007}" type="datetimeFigureOut">
               <a:rPr lang="en-US" smtClean="0"/>
-              <a:t>08/10/15</a:t>
+              <a:t>09/10/15</a:t>
             </a:fld>
             <a:endParaRPr lang="en-US"/>
           </a:p>
@@ -640,7 +640,7 @@
           <a:p>
             <a:fld id="{4EBC1159-05F0-854B-83A6-9EF556404007}" type="datetimeFigureOut">
               <a:rPr lang="en-US" smtClean="0"/>
-              <a:t>08/10/15</a:t>
+              <a:t>09/10/15</a:t>
             </a:fld>
             <a:endParaRPr lang="en-US"/>
           </a:p>
@@ -810,7 +810,7 @@
           <a:p>
             <a:fld id="{4EBC1159-05F0-854B-83A6-9EF556404007}" type="datetimeFigureOut">
               <a:rPr lang="en-US" smtClean="0"/>
-              <a:t>08/10/15</a:t>
+              <a:t>09/10/15</a:t>
             </a:fld>
             <a:endParaRPr lang="en-US"/>
           </a:p>
@@ -1056,7 +1056,7 @@
           <a:p>
             <a:fld id="{4EBC1159-05F0-854B-83A6-9EF556404007}" type="datetimeFigureOut">
               <a:rPr lang="en-US" smtClean="0"/>
-              <a:t>08/10/15</a:t>
+              <a:t>09/10/15</a:t>
             </a:fld>
             <a:endParaRPr lang="en-US"/>
           </a:p>
@@ -1344,7 +1344,7 @@
           <a:p>
             <a:fld id="{4EBC1159-05F0-854B-83A6-9EF556404007}" type="datetimeFigureOut">
               <a:rPr lang="en-US" smtClean="0"/>
-              <a:t>08/10/15</a:t>
+              <a:t>09/10/15</a:t>
             </a:fld>
             <a:endParaRPr lang="en-US"/>
           </a:p>
@@ -1766,7 +1766,7 @@
           <a:p>
             <a:fld id="{4EBC1159-05F0-854B-83A6-9EF556404007}" type="datetimeFigureOut">
               <a:rPr lang="en-US" smtClean="0"/>
-              <a:t>08/10/15</a:t>
+              <a:t>09/10/15</a:t>
             </a:fld>
             <a:endParaRPr lang="en-US"/>
           </a:p>
@@ -1884,7 +1884,7 @@
           <a:p>
             <a:fld id="{4EBC1159-05F0-854B-83A6-9EF556404007}" type="datetimeFigureOut">
               <a:rPr lang="en-US" smtClean="0"/>
-              <a:t>08/10/15</a:t>
+              <a:t>09/10/15</a:t>
             </a:fld>
             <a:endParaRPr lang="en-US"/>
           </a:p>
@@ -1979,7 +1979,7 @@
           <a:p>
             <a:fld id="{4EBC1159-05F0-854B-83A6-9EF556404007}" type="datetimeFigureOut">
               <a:rPr lang="en-US" smtClean="0"/>
-              <a:t>08/10/15</a:t>
+              <a:t>09/10/15</a:t>
             </a:fld>
             <a:endParaRPr lang="en-US"/>
           </a:p>
@@ -2256,7 +2256,7 @@
           <a:p>
             <a:fld id="{4EBC1159-05F0-854B-83A6-9EF556404007}" type="datetimeFigureOut">
               <a:rPr lang="en-US" smtClean="0"/>
-              <a:t>08/10/15</a:t>
+              <a:t>09/10/15</a:t>
             </a:fld>
             <a:endParaRPr lang="en-US"/>
           </a:p>
@@ -2509,7 +2509,7 @@
           <a:p>
             <a:fld id="{4EBC1159-05F0-854B-83A6-9EF556404007}" type="datetimeFigureOut">
               <a:rPr lang="en-US" smtClean="0"/>
-              <a:t>08/10/15</a:t>
+              <a:t>09/10/15</a:t>
             </a:fld>
             <a:endParaRPr lang="en-US"/>
           </a:p>
@@ -2722,7 +2722,7 @@
           <a:p>
             <a:fld id="{4EBC1159-05F0-854B-83A6-9EF556404007}" type="datetimeFigureOut">
               <a:rPr lang="en-US" smtClean="0"/>
-              <a:t>08/10/15</a:t>
+              <a:t>09/10/15</a:t>
             </a:fld>
             <a:endParaRPr lang="en-US"/>
           </a:p>
@@ -3439,7 +3439,7 @@
           <p:nvPr>
             <p:extLst>
               <p:ext uri="{D42A27DB-BD31-4B8C-83A1-F6EECF244321}">
-                <p14:modId xmlns:p14="http://schemas.microsoft.com/office/powerpoint/2010/main" val="507912315"/>
+                <p14:modId xmlns:p14="http://schemas.microsoft.com/office/powerpoint/2010/main" val="2925098715"/>
               </p:ext>
             </p:extLst>
           </p:nvPr>
@@ -3866,7 +3866,7 @@
                     <a:p>
                       <a:r>
                         <a:rPr lang="en-US" dirty="0" smtClean="0"/>
-                        <a:t>05.10.2015</a:t>
+                        <a:t>09.10.2016</a:t>
                       </a:r>
                       <a:endParaRPr lang="en-US" dirty="0"/>
                     </a:p>
@@ -3972,7 +3972,15 @@
               </a:r>
               <a:r>
                 <a:rPr lang="en-US" dirty="0" smtClean="0"/>
-                <a:t>: 05.10.2015 }</a:t>
+                <a:t>: </a:t>
+              </a:r>
+              <a:r>
+                <a:rPr lang="en-US" dirty="0" smtClean="0"/>
+                <a:t>09.10.2016 </a:t>
+              </a:r>
+              <a:r>
+                <a:rPr lang="en-US" dirty="0" smtClean="0"/>
+                <a:t>}</a:t>
               </a:r>
               <a:endParaRPr lang="en-US" dirty="0"/>
             </a:p>
@@ -4507,7 +4515,15 @@
               </a:r>
               <a:r>
                 <a:rPr lang="en-US" dirty="0" smtClean="0"/>
-                <a:t>: 05.10.2015, hash:        }</a:t>
+                <a:t>: </a:t>
+              </a:r>
+              <a:r>
+                <a:rPr lang="en-US" dirty="0" smtClean="0"/>
+                <a:t>09.10.2016, </a:t>
+              </a:r>
+              <a:r>
+                <a:rPr lang="en-US" dirty="0" smtClean="0"/>
+                <a:t>hash:        }</a:t>
               </a:r>
               <a:endParaRPr lang="en-US" dirty="0"/>
             </a:p>
@@ -5764,8 +5780,20 @@
                 <a:t>val</a:t>
               </a:r>
               <a:r>
+                <a:rPr lang="en-US" smtClean="0"/>
+                <a:t>: </a:t>
+              </a:r>
+              <a:r>
+                <a:rPr lang="en-US" smtClean="0"/>
+                <a:t>09.10.2016</a:t>
+              </a:r>
+              <a:r>
                 <a:rPr lang="en-US" dirty="0" smtClean="0"/>
-                <a:t>: 05.10.2015, hash: ……. }</a:t>
+                <a:t>, </a:t>
+              </a:r>
+              <a:r>
+                <a:rPr lang="en-US" dirty="0" smtClean="0"/>
+                <a:t>hash: ……. }</a:t>
               </a:r>
               <a:endParaRPr lang="en-US" dirty="0"/>
             </a:p>
